--- a/Конференции/Международная научно-практическая конференция -Электронные средства и системы управления-/Выступление/Презентация.pptx
+++ b/Конференции/Международная научно-практическая конференция -Электронные средства и системы управления-/Выступление/Презентация.pptx
@@ -1,19 +1,30 @@
 
 <file path=ppt/presentation.xml><?xml version="1.0" encoding="utf-8"?>
-<p:presentation xmlns:a="http://schemas.openxmlformats.org/drawingml/2006/main" xmlns:r="http://schemas.openxmlformats.org/officeDocument/2006/relationships" xmlns:p="http://schemas.openxmlformats.org/presentationml/2006/main" saveSubsetFonts="1">
+<p:presentation xmlns:a="http://schemas.openxmlformats.org/drawingml/2006/main" xmlns:r="http://schemas.openxmlformats.org/officeDocument/2006/relationships" xmlns:p="http://schemas.openxmlformats.org/presentationml/2006/main" showSpecialPlsOnTitleSld="0" saveSubsetFonts="1">
   <p:sldMasterIdLst>
     <p:sldMasterId id="2147483648" r:id="rId1"/>
   </p:sldMasterIdLst>
+  <p:notesMasterIdLst>
+    <p:notesMasterId r:id="rId19"/>
+  </p:notesMasterIdLst>
   <p:sldIdLst>
     <p:sldId id="256" r:id="rId2"/>
     <p:sldId id="257" r:id="rId3"/>
-    <p:sldId id="258" r:id="rId4"/>
-    <p:sldId id="261" r:id="rId5"/>
-    <p:sldId id="260" r:id="rId6"/>
-    <p:sldId id="262" r:id="rId7"/>
-    <p:sldId id="263" r:id="rId8"/>
-    <p:sldId id="264" r:id="rId9"/>
-    <p:sldId id="265" r:id="rId10"/>
+    <p:sldId id="266" r:id="rId4"/>
+    <p:sldId id="267" r:id="rId5"/>
+    <p:sldId id="268" r:id="rId6"/>
+    <p:sldId id="270" r:id="rId7"/>
+    <p:sldId id="269" r:id="rId8"/>
+    <p:sldId id="271" r:id="rId9"/>
+    <p:sldId id="272" r:id="rId10"/>
+    <p:sldId id="258" r:id="rId11"/>
+    <p:sldId id="261" r:id="rId12"/>
+    <p:sldId id="260" r:id="rId13"/>
+    <p:sldId id="262" r:id="rId14"/>
+    <p:sldId id="263" r:id="rId15"/>
+    <p:sldId id="264" r:id="rId16"/>
+    <p:sldId id="273" r:id="rId17"/>
+    <p:sldId id="265" r:id="rId18"/>
   </p:sldIdLst>
   <p:sldSz cx="12192000" cy="6858000"/>
   <p:notesSz cx="6858000" cy="9144000"/>
@@ -112,11 +123,365 @@
       </a:defRPr>
     </a:lvl9pPr>
   </p:defaultTextStyle>
+  <p:extLst>
+    <p:ext uri="{EFAFB233-063F-42B5-8137-9DF3F51BA10A}">
+      <p15:sldGuideLst xmlns:p15="http://schemas.microsoft.com/office/powerpoint/2012/main"/>
+    </p:ext>
+  </p:extLst>
 </p:presentation>
 </file>
 
 <file path=ppt/revisionInfo.xml><?xml version="1.0" encoding="utf-8"?>
 <p1510:revInfo xmlns:a="http://schemas.openxmlformats.org/drawingml/2006/main" xmlns:r="http://schemas.openxmlformats.org/officeDocument/2006/relationships" xmlns:p1510="http://schemas.microsoft.com/office/powerpoint/2015/10/main"/>
+</file>
+
+<file path=ppt/notesMasters/notesMaster1.xml><?xml version="1.0" encoding="utf-8"?>
+<p:notesMaster xmlns:a="http://schemas.openxmlformats.org/drawingml/2006/main" xmlns:r="http://schemas.openxmlformats.org/officeDocument/2006/relationships" xmlns:p="http://schemas.openxmlformats.org/presentationml/2006/main">
+  <p:cSld>
+    <p:bg>
+      <p:bgRef idx="1001">
+        <a:schemeClr val="bg1"/>
+      </p:bgRef>
+    </p:bg>
+    <p:spTree>
+      <p:nvGrpSpPr>
+        <p:cNvPr id="1" name=""/>
+        <p:cNvGrpSpPr/>
+        <p:nvPr/>
+      </p:nvGrpSpPr>
+      <p:grpSpPr>
+        <a:xfrm>
+          <a:off x="0" y="0"/>
+          <a:ext cx="0" cy="0"/>
+          <a:chOff x="0" y="0"/>
+          <a:chExt cx="0" cy="0"/>
+        </a:xfrm>
+      </p:grpSpPr>
+      <p:sp>
+        <p:nvSpPr>
+          <p:cNvPr id="2" name="Верхний колонтитул 1"/>
+          <p:cNvSpPr>
+            <a:spLocks noGrp="1"/>
+          </p:cNvSpPr>
+          <p:nvPr>
+            <p:ph type="hdr" sz="quarter"/>
+          </p:nvPr>
+        </p:nvSpPr>
+        <p:spPr>
+          <a:xfrm>
+            <a:off x="0" y="0"/>
+            <a:ext cx="2971800" cy="458788"/>
+          </a:xfrm>
+          <a:prstGeom prst="rect">
+            <a:avLst/>
+          </a:prstGeom>
+        </p:spPr>
+        <p:txBody>
+          <a:bodyPr vert="horz" lIns="91440" tIns="45720" rIns="91440" bIns="45720" rtlCol="0"/>
+          <a:lstStyle>
+            <a:lvl1pPr algn="l">
+              <a:defRPr sz="1200"/>
+            </a:lvl1pPr>
+          </a:lstStyle>
+          <a:p>
+            <a:endParaRPr lang="ru-RU"/>
+          </a:p>
+        </p:txBody>
+      </p:sp>
+      <p:sp>
+        <p:nvSpPr>
+          <p:cNvPr id="3" name="Дата 2"/>
+          <p:cNvSpPr>
+            <a:spLocks noGrp="1"/>
+          </p:cNvSpPr>
+          <p:nvPr>
+            <p:ph type="dt" idx="1"/>
+          </p:nvPr>
+        </p:nvSpPr>
+        <p:spPr>
+          <a:xfrm>
+            <a:off x="3884613" y="0"/>
+            <a:ext cx="2971800" cy="458788"/>
+          </a:xfrm>
+          <a:prstGeom prst="rect">
+            <a:avLst/>
+          </a:prstGeom>
+        </p:spPr>
+        <p:txBody>
+          <a:bodyPr vert="horz" lIns="91440" tIns="45720" rIns="91440" bIns="45720" rtlCol="0"/>
+          <a:lstStyle>
+            <a:lvl1pPr algn="r">
+              <a:defRPr sz="1200"/>
+            </a:lvl1pPr>
+          </a:lstStyle>
+          <a:p>
+            <a:fld id="{3CDD59BB-F587-4174-8240-CBA6A19AE3AC}" type="datetimeFigureOut">
+              <a:rPr lang="ru-RU" smtClean="0"/>
+              <a:t>29.11.2017</a:t>
+            </a:fld>
+            <a:endParaRPr lang="ru-RU"/>
+          </a:p>
+        </p:txBody>
+      </p:sp>
+      <p:sp>
+        <p:nvSpPr>
+          <p:cNvPr id="4" name="Образ слайда 3"/>
+          <p:cNvSpPr>
+            <a:spLocks noGrp="1" noRot="1" noChangeAspect="1"/>
+          </p:cNvSpPr>
+          <p:nvPr>
+            <p:ph type="sldImg" idx="2"/>
+          </p:nvPr>
+        </p:nvSpPr>
+        <p:spPr>
+          <a:xfrm>
+            <a:off x="685800" y="1143000"/>
+            <a:ext cx="5486400" cy="3086100"/>
+          </a:xfrm>
+          <a:prstGeom prst="rect">
+            <a:avLst/>
+          </a:prstGeom>
+          <a:noFill/>
+          <a:ln w="12700">
+            <a:solidFill>
+              <a:prstClr val="black"/>
+            </a:solidFill>
+          </a:ln>
+        </p:spPr>
+        <p:txBody>
+          <a:bodyPr vert="horz" lIns="91440" tIns="45720" rIns="91440" bIns="45720" rtlCol="0" anchor="ctr"/>
+          <a:lstStyle/>
+          <a:p>
+            <a:endParaRPr lang="ru-RU"/>
+          </a:p>
+        </p:txBody>
+      </p:sp>
+      <p:sp>
+        <p:nvSpPr>
+          <p:cNvPr id="5" name="Заметки 4"/>
+          <p:cNvSpPr>
+            <a:spLocks noGrp="1"/>
+          </p:cNvSpPr>
+          <p:nvPr>
+            <p:ph type="body" sz="quarter" idx="3"/>
+          </p:nvPr>
+        </p:nvSpPr>
+        <p:spPr>
+          <a:xfrm>
+            <a:off x="685800" y="4400550"/>
+            <a:ext cx="5486400" cy="3600450"/>
+          </a:xfrm>
+          <a:prstGeom prst="rect">
+            <a:avLst/>
+          </a:prstGeom>
+        </p:spPr>
+        <p:txBody>
+          <a:bodyPr vert="horz" lIns="91440" tIns="45720" rIns="91440" bIns="45720" rtlCol="0"/>
+          <a:lstStyle/>
+          <a:p>
+            <a:pPr lvl="0"/>
+            <a:r>
+              <a:rPr lang="ru-RU"/>
+              <a:t>Образец текста</a:t>
+            </a:r>
+          </a:p>
+          <a:p>
+            <a:pPr lvl="1"/>
+            <a:r>
+              <a:rPr lang="ru-RU"/>
+              <a:t>Второй уровень</a:t>
+            </a:r>
+          </a:p>
+          <a:p>
+            <a:pPr lvl="2"/>
+            <a:r>
+              <a:rPr lang="ru-RU"/>
+              <a:t>Третий уровень</a:t>
+            </a:r>
+          </a:p>
+          <a:p>
+            <a:pPr lvl="3"/>
+            <a:r>
+              <a:rPr lang="ru-RU"/>
+              <a:t>Четвертый уровень</a:t>
+            </a:r>
+          </a:p>
+          <a:p>
+            <a:pPr lvl="4"/>
+            <a:r>
+              <a:rPr lang="ru-RU"/>
+              <a:t>Пятый уровень</a:t>
+            </a:r>
+          </a:p>
+        </p:txBody>
+      </p:sp>
+      <p:sp>
+        <p:nvSpPr>
+          <p:cNvPr id="6" name="Нижний колонтитул 5"/>
+          <p:cNvSpPr>
+            <a:spLocks noGrp="1"/>
+          </p:cNvSpPr>
+          <p:nvPr>
+            <p:ph type="ftr" sz="quarter" idx="4"/>
+          </p:nvPr>
+        </p:nvSpPr>
+        <p:spPr>
+          <a:xfrm>
+            <a:off x="0" y="8685213"/>
+            <a:ext cx="2971800" cy="458787"/>
+          </a:xfrm>
+          <a:prstGeom prst="rect">
+            <a:avLst/>
+          </a:prstGeom>
+        </p:spPr>
+        <p:txBody>
+          <a:bodyPr vert="horz" lIns="91440" tIns="45720" rIns="91440" bIns="45720" rtlCol="0" anchor="b"/>
+          <a:lstStyle>
+            <a:lvl1pPr algn="l">
+              <a:defRPr sz="1200"/>
+            </a:lvl1pPr>
+          </a:lstStyle>
+          <a:p>
+            <a:endParaRPr lang="ru-RU"/>
+          </a:p>
+        </p:txBody>
+      </p:sp>
+      <p:sp>
+        <p:nvSpPr>
+          <p:cNvPr id="7" name="Номер слайда 6"/>
+          <p:cNvSpPr>
+            <a:spLocks noGrp="1"/>
+          </p:cNvSpPr>
+          <p:nvPr>
+            <p:ph type="sldNum" sz="quarter" idx="5"/>
+          </p:nvPr>
+        </p:nvSpPr>
+        <p:spPr>
+          <a:xfrm>
+            <a:off x="3884613" y="8685213"/>
+            <a:ext cx="2971800" cy="458787"/>
+          </a:xfrm>
+          <a:prstGeom prst="rect">
+            <a:avLst/>
+          </a:prstGeom>
+        </p:spPr>
+        <p:txBody>
+          <a:bodyPr vert="horz" lIns="91440" tIns="45720" rIns="91440" bIns="45720" rtlCol="0" anchor="b"/>
+          <a:lstStyle>
+            <a:lvl1pPr algn="r">
+              <a:defRPr sz="1200"/>
+            </a:lvl1pPr>
+          </a:lstStyle>
+          <a:p>
+            <a:fld id="{87295F67-CCDD-44A9-A140-5BEA272B8FAE}" type="slidenum">
+              <a:rPr lang="ru-RU" smtClean="0"/>
+              <a:t>‹#›</a:t>
+            </a:fld>
+            <a:endParaRPr lang="ru-RU"/>
+          </a:p>
+        </p:txBody>
+      </p:sp>
+    </p:spTree>
+    <p:extLst>
+      <p:ext uri="{BB962C8B-B14F-4D97-AF65-F5344CB8AC3E}">
+        <p14:creationId xmlns:p14="http://schemas.microsoft.com/office/powerpoint/2010/main" val="549678834"/>
+      </p:ext>
+    </p:extLst>
+  </p:cSld>
+  <p:clrMap bg1="lt1" tx1="dk1" bg2="lt2" tx2="dk2" accent1="accent1" accent2="accent2" accent3="accent3" accent4="accent4" accent5="accent5" accent6="accent6" hlink="hlink" folHlink="folHlink"/>
+  <p:notesStyle>
+    <a:lvl1pPr marL="0" algn="l" defTabSz="914400" rtl="0" eaLnBrk="1" latinLnBrk="0" hangingPunct="1">
+      <a:defRPr sz="1200" kern="1200">
+        <a:solidFill>
+          <a:schemeClr val="tx1"/>
+        </a:solidFill>
+        <a:latin typeface="+mn-lt"/>
+        <a:ea typeface="+mn-ea"/>
+        <a:cs typeface="+mn-cs"/>
+      </a:defRPr>
+    </a:lvl1pPr>
+    <a:lvl2pPr marL="457200" algn="l" defTabSz="914400" rtl="0" eaLnBrk="1" latinLnBrk="0" hangingPunct="1">
+      <a:defRPr sz="1200" kern="1200">
+        <a:solidFill>
+          <a:schemeClr val="tx1"/>
+        </a:solidFill>
+        <a:latin typeface="+mn-lt"/>
+        <a:ea typeface="+mn-ea"/>
+        <a:cs typeface="+mn-cs"/>
+      </a:defRPr>
+    </a:lvl2pPr>
+    <a:lvl3pPr marL="914400" algn="l" defTabSz="914400" rtl="0" eaLnBrk="1" latinLnBrk="0" hangingPunct="1">
+      <a:defRPr sz="1200" kern="1200">
+        <a:solidFill>
+          <a:schemeClr val="tx1"/>
+        </a:solidFill>
+        <a:latin typeface="+mn-lt"/>
+        <a:ea typeface="+mn-ea"/>
+        <a:cs typeface="+mn-cs"/>
+      </a:defRPr>
+    </a:lvl3pPr>
+    <a:lvl4pPr marL="1371600" algn="l" defTabSz="914400" rtl="0" eaLnBrk="1" latinLnBrk="0" hangingPunct="1">
+      <a:defRPr sz="1200" kern="1200">
+        <a:solidFill>
+          <a:schemeClr val="tx1"/>
+        </a:solidFill>
+        <a:latin typeface="+mn-lt"/>
+        <a:ea typeface="+mn-ea"/>
+        <a:cs typeface="+mn-cs"/>
+      </a:defRPr>
+    </a:lvl4pPr>
+    <a:lvl5pPr marL="1828800" algn="l" defTabSz="914400" rtl="0" eaLnBrk="1" latinLnBrk="0" hangingPunct="1">
+      <a:defRPr sz="1200" kern="1200">
+        <a:solidFill>
+          <a:schemeClr val="tx1"/>
+        </a:solidFill>
+        <a:latin typeface="+mn-lt"/>
+        <a:ea typeface="+mn-ea"/>
+        <a:cs typeface="+mn-cs"/>
+      </a:defRPr>
+    </a:lvl5pPr>
+    <a:lvl6pPr marL="2286000" algn="l" defTabSz="914400" rtl="0" eaLnBrk="1" latinLnBrk="0" hangingPunct="1">
+      <a:defRPr sz="1200" kern="1200">
+        <a:solidFill>
+          <a:schemeClr val="tx1"/>
+        </a:solidFill>
+        <a:latin typeface="+mn-lt"/>
+        <a:ea typeface="+mn-ea"/>
+        <a:cs typeface="+mn-cs"/>
+      </a:defRPr>
+    </a:lvl6pPr>
+    <a:lvl7pPr marL="2743200" algn="l" defTabSz="914400" rtl="0" eaLnBrk="1" latinLnBrk="0" hangingPunct="1">
+      <a:defRPr sz="1200" kern="1200">
+        <a:solidFill>
+          <a:schemeClr val="tx1"/>
+        </a:solidFill>
+        <a:latin typeface="+mn-lt"/>
+        <a:ea typeface="+mn-ea"/>
+        <a:cs typeface="+mn-cs"/>
+      </a:defRPr>
+    </a:lvl7pPr>
+    <a:lvl8pPr marL="3200400" algn="l" defTabSz="914400" rtl="0" eaLnBrk="1" latinLnBrk="0" hangingPunct="1">
+      <a:defRPr sz="1200" kern="1200">
+        <a:solidFill>
+          <a:schemeClr val="tx1"/>
+        </a:solidFill>
+        <a:latin typeface="+mn-lt"/>
+        <a:ea typeface="+mn-ea"/>
+        <a:cs typeface="+mn-cs"/>
+      </a:defRPr>
+    </a:lvl8pPr>
+    <a:lvl9pPr marL="3657600" algn="l" defTabSz="914400" rtl="0" eaLnBrk="1" latinLnBrk="0" hangingPunct="1">
+      <a:defRPr sz="1200" kern="1200">
+        <a:solidFill>
+          <a:schemeClr val="tx1"/>
+        </a:solidFill>
+        <a:latin typeface="+mn-lt"/>
+        <a:ea typeface="+mn-ea"/>
+        <a:cs typeface="+mn-cs"/>
+      </a:defRPr>
+    </a:lvl9pPr>
+  </p:notesStyle>
+</p:notesMaster>
 </file>
 
 <file path=ppt/slideLayouts/slideLayout1.xml><?xml version="1.0" encoding="utf-8"?>
@@ -264,9 +629,9 @@
           <a:bodyPr/>
           <a:lstStyle/>
           <a:p>
-            <a:fld id="{E73A0F9C-65C4-455E-AC36-390618EE1596}" type="datetimeFigureOut">
+            <a:fld id="{87593BBD-826F-4796-B066-4E806606F2DF}" type="datetime1">
               <a:rPr lang="ru-RU" smtClean="0"/>
-              <a:t>27.11.2017</a:t>
+              <a:t>29.11.2017</a:t>
             </a:fld>
             <a:endParaRPr lang="ru-RU"/>
           </a:p>
@@ -462,9 +827,9 @@
           <a:bodyPr/>
           <a:lstStyle/>
           <a:p>
-            <a:fld id="{E73A0F9C-65C4-455E-AC36-390618EE1596}" type="datetimeFigureOut">
+            <a:fld id="{B1608654-EB4A-42BD-9093-4E546D4A312B}" type="datetime1">
               <a:rPr lang="ru-RU" smtClean="0"/>
-              <a:t>27.11.2017</a:t>
+              <a:t>29.11.2017</a:t>
             </a:fld>
             <a:endParaRPr lang="ru-RU"/>
           </a:p>
@@ -670,9 +1035,9 @@
           <a:bodyPr/>
           <a:lstStyle/>
           <a:p>
-            <a:fld id="{E73A0F9C-65C4-455E-AC36-390618EE1596}" type="datetimeFigureOut">
+            <a:fld id="{3CD12B81-BF35-4C35-9D51-F8B54C06A1A7}" type="datetime1">
               <a:rPr lang="ru-RU" smtClean="0"/>
-              <a:t>27.11.2017</a:t>
+              <a:t>29.11.2017</a:t>
             </a:fld>
             <a:endParaRPr lang="ru-RU"/>
           </a:p>
@@ -868,9 +1233,9 @@
           <a:bodyPr/>
           <a:lstStyle/>
           <a:p>
-            <a:fld id="{E73A0F9C-65C4-455E-AC36-390618EE1596}" type="datetimeFigureOut">
+            <a:fld id="{6DA62664-B57B-4D07-A549-56C8CE0865F8}" type="datetime1">
               <a:rPr lang="ru-RU" smtClean="0"/>
-              <a:t>27.11.2017</a:t>
+              <a:t>29.11.2017</a:t>
             </a:fld>
             <a:endParaRPr lang="ru-RU"/>
           </a:p>
@@ -1143,9 +1508,9 @@
           <a:bodyPr/>
           <a:lstStyle/>
           <a:p>
-            <a:fld id="{E73A0F9C-65C4-455E-AC36-390618EE1596}" type="datetimeFigureOut">
+            <a:fld id="{99A99CB3-A579-4814-B932-FE8A8E3E8A67}" type="datetime1">
               <a:rPr lang="ru-RU" smtClean="0"/>
-              <a:t>27.11.2017</a:t>
+              <a:t>29.11.2017</a:t>
             </a:fld>
             <a:endParaRPr lang="ru-RU"/>
           </a:p>
@@ -1408,9 +1773,9 @@
           <a:bodyPr/>
           <a:lstStyle/>
           <a:p>
-            <a:fld id="{E73A0F9C-65C4-455E-AC36-390618EE1596}" type="datetimeFigureOut">
+            <a:fld id="{58F28FCF-393A-4968-A35A-BF2CBF5F8A7F}" type="datetime1">
               <a:rPr lang="ru-RU" smtClean="0"/>
-              <a:t>27.11.2017</a:t>
+              <a:t>29.11.2017</a:t>
             </a:fld>
             <a:endParaRPr lang="ru-RU"/>
           </a:p>
@@ -1820,9 +2185,9 @@
           <a:bodyPr/>
           <a:lstStyle/>
           <a:p>
-            <a:fld id="{E73A0F9C-65C4-455E-AC36-390618EE1596}" type="datetimeFigureOut">
+            <a:fld id="{531E5B59-82EA-43D9-A7A7-52C2E7313235}" type="datetime1">
               <a:rPr lang="ru-RU" smtClean="0"/>
-              <a:t>27.11.2017</a:t>
+              <a:t>29.11.2017</a:t>
             </a:fld>
             <a:endParaRPr lang="ru-RU"/>
           </a:p>
@@ -1961,9 +2326,9 @@
           <a:bodyPr/>
           <a:lstStyle/>
           <a:p>
-            <a:fld id="{E73A0F9C-65C4-455E-AC36-390618EE1596}" type="datetimeFigureOut">
+            <a:fld id="{4AFB20A1-0D52-4DE8-AA9D-79CCA8EDB8E3}" type="datetime1">
               <a:rPr lang="ru-RU" smtClean="0"/>
-              <a:t>27.11.2017</a:t>
+              <a:t>29.11.2017</a:t>
             </a:fld>
             <a:endParaRPr lang="ru-RU"/>
           </a:p>
@@ -2074,9 +2439,9 @@
           <a:bodyPr/>
           <a:lstStyle/>
           <a:p>
-            <a:fld id="{E73A0F9C-65C4-455E-AC36-390618EE1596}" type="datetimeFigureOut">
+            <a:fld id="{1788A952-5A91-49F0-B29B-138179033370}" type="datetime1">
               <a:rPr lang="ru-RU" smtClean="0"/>
-              <a:t>27.11.2017</a:t>
+              <a:t>29.11.2017</a:t>
             </a:fld>
             <a:endParaRPr lang="ru-RU"/>
           </a:p>
@@ -2385,9 +2750,9 @@
           <a:bodyPr/>
           <a:lstStyle/>
           <a:p>
-            <a:fld id="{E73A0F9C-65C4-455E-AC36-390618EE1596}" type="datetimeFigureOut">
+            <a:fld id="{6A7FFA51-E5B7-4DD4-B36B-7E56FE9B1A63}" type="datetime1">
               <a:rPr lang="ru-RU" smtClean="0"/>
-              <a:t>27.11.2017</a:t>
+              <a:t>29.11.2017</a:t>
             </a:fld>
             <a:endParaRPr lang="ru-RU"/>
           </a:p>
@@ -2673,9 +3038,9 @@
           <a:bodyPr/>
           <a:lstStyle/>
           <a:p>
-            <a:fld id="{E73A0F9C-65C4-455E-AC36-390618EE1596}" type="datetimeFigureOut">
+            <a:fld id="{9940C503-BBF1-4B5D-8BB2-7F44ED21285F}" type="datetime1">
               <a:rPr lang="ru-RU" smtClean="0"/>
-              <a:t>27.11.2017</a:t>
+              <a:t>29.11.2017</a:t>
             </a:fld>
             <a:endParaRPr lang="ru-RU"/>
           </a:p>
@@ -2914,9 +3279,9 @@
             </a:lvl1pPr>
           </a:lstStyle>
           <a:p>
-            <a:fld id="{E73A0F9C-65C4-455E-AC36-390618EE1596}" type="datetimeFigureOut">
+            <a:fld id="{4D2D57D5-FE2B-42DA-92D2-EDC08EE69694}" type="datetime1">
               <a:rPr lang="ru-RU" smtClean="0"/>
-              <a:t>27.11.2017</a:t>
+              <a:t>29.11.2017</a:t>
             </a:fld>
             <a:endParaRPr lang="ru-RU"/>
           </a:p>
@@ -3033,6 +3398,7 @@
     <p:sldLayoutId id="2147483658" r:id="rId10"/>
     <p:sldLayoutId id="2147483659" r:id="rId11"/>
   </p:sldLayoutIdLst>
+  <p:hf hdr="0" ftr="0" dt="0"/>
   <p:txStyles>
     <p:titleStyle>
       <a:lvl1pPr algn="l" defTabSz="914400" rtl="0" eaLnBrk="1" latinLnBrk="0" hangingPunct="1">
@@ -3349,7 +3715,12 @@
             <p:ph type="ctrTitle"/>
           </p:nvPr>
         </p:nvSpPr>
-        <p:spPr/>
+        <p:spPr>
+          <a:xfrm>
+            <a:off x="1524000" y="1122363"/>
+            <a:ext cx="9144000" cy="2133599"/>
+          </a:xfrm>
+        </p:spPr>
         <p:txBody>
           <a:bodyPr>
             <a:normAutofit fontScale="90000"/>
@@ -3435,6 +3806,966 @@
     <p:extLst>
       <p:ext uri="{BB962C8B-B14F-4D97-AF65-F5344CB8AC3E}">
         <p14:creationId xmlns:p14="http://schemas.microsoft.com/office/powerpoint/2010/main" val="2492354808"/>
+      </p:ext>
+    </p:extLst>
+  </p:cSld>
+  <p:clrMapOvr>
+    <a:masterClrMapping/>
+  </p:clrMapOvr>
+</p:sld>
+</file>
+
+<file path=ppt/slides/slide10.xml><?xml version="1.0" encoding="utf-8"?>
+<p:sld xmlns:a="http://schemas.openxmlformats.org/drawingml/2006/main" xmlns:r="http://schemas.openxmlformats.org/officeDocument/2006/relationships" xmlns:p="http://schemas.openxmlformats.org/presentationml/2006/main">
+  <p:cSld>
+    <p:spTree>
+      <p:nvGrpSpPr>
+        <p:cNvPr id="1" name=""/>
+        <p:cNvGrpSpPr/>
+        <p:nvPr/>
+      </p:nvGrpSpPr>
+      <p:grpSpPr>
+        <a:xfrm>
+          <a:off x="0" y="0"/>
+          <a:ext cx="0" cy="0"/>
+          <a:chOff x="0" y="0"/>
+          <a:chExt cx="0" cy="0"/>
+        </a:xfrm>
+      </p:grpSpPr>
+      <p:sp>
+        <p:nvSpPr>
+          <p:cNvPr id="2" name="Заголовок 1">
+            <a:extLst>
+              <a:ext uri="{FF2B5EF4-FFF2-40B4-BE49-F238E27FC236}">
+                <a16:creationId xmlns:a16="http://schemas.microsoft.com/office/drawing/2014/main" id="{78095C5F-66F4-4998-9DD9-523FE97FE43B}"/>
+              </a:ext>
+            </a:extLst>
+          </p:cNvPr>
+          <p:cNvSpPr>
+            <a:spLocks noGrp="1"/>
+          </p:cNvSpPr>
+          <p:nvPr>
+            <p:ph type="title"/>
+          </p:nvPr>
+        </p:nvSpPr>
+        <p:spPr/>
+        <p:txBody>
+          <a:bodyPr/>
+          <a:lstStyle/>
+          <a:p>
+            <a:r>
+              <a:rPr lang="ru-RU" dirty="0"/>
+              <a:t>Приложения: примеры</a:t>
+            </a:r>
+          </a:p>
+        </p:txBody>
+      </p:sp>
+      <p:sp>
+        <p:nvSpPr>
+          <p:cNvPr id="3" name="Объект 2">
+            <a:extLst>
+              <a:ext uri="{FF2B5EF4-FFF2-40B4-BE49-F238E27FC236}">
+                <a16:creationId xmlns:a16="http://schemas.microsoft.com/office/drawing/2014/main" id="{465F0FBB-5305-482E-8332-371F0BFBE924}"/>
+              </a:ext>
+            </a:extLst>
+          </p:cNvPr>
+          <p:cNvSpPr>
+            <a:spLocks noGrp="1"/>
+          </p:cNvSpPr>
+          <p:nvPr>
+            <p:ph idx="1"/>
+          </p:nvPr>
+        </p:nvSpPr>
+        <p:spPr/>
+        <p:txBody>
+          <a:bodyPr/>
+          <a:lstStyle/>
+          <a:p>
+            <a:r>
+              <a:rPr lang="ru-RU" dirty="0"/>
+              <a:t>Компиляторы/интерпретаторы</a:t>
+            </a:r>
+          </a:p>
+          <a:p>
+            <a:r>
+              <a:rPr lang="ru-RU" dirty="0"/>
+              <a:t>Программа для проверки программы студента на тестах</a:t>
+            </a:r>
+          </a:p>
+          <a:p>
+            <a:r>
+              <a:rPr lang="ru-RU" dirty="0"/>
+              <a:t>Программа для проверки результатов тестирования студента</a:t>
+            </a:r>
+          </a:p>
+          <a:p>
+            <a:r>
+              <a:rPr lang="ru-RU" dirty="0"/>
+              <a:t>Скрипты для отображения интерактивного лекционного материала на странице</a:t>
+            </a:r>
+          </a:p>
+          <a:p>
+            <a:r>
+              <a:rPr lang="ru-RU" dirty="0"/>
+              <a:t>Нейросеть для распознавания рукописного текста</a:t>
+            </a:r>
+          </a:p>
+          <a:p>
+            <a:endParaRPr lang="ru-RU" dirty="0"/>
+          </a:p>
+        </p:txBody>
+      </p:sp>
+      <p:sp>
+        <p:nvSpPr>
+          <p:cNvPr id="4" name="Номер слайда 3">
+            <a:extLst>
+              <a:ext uri="{FF2B5EF4-FFF2-40B4-BE49-F238E27FC236}">
+                <a16:creationId xmlns:a16="http://schemas.microsoft.com/office/drawing/2014/main" id="{36DF5F19-049E-4EFA-909C-B79E8E23251D}"/>
+              </a:ext>
+            </a:extLst>
+          </p:cNvPr>
+          <p:cNvSpPr>
+            <a:spLocks noGrp="1"/>
+          </p:cNvSpPr>
+          <p:nvPr>
+            <p:ph type="sldNum" sz="quarter" idx="12"/>
+          </p:nvPr>
+        </p:nvSpPr>
+        <p:spPr/>
+        <p:txBody>
+          <a:bodyPr/>
+          <a:lstStyle/>
+          <a:p>
+            <a:fld id="{A1F72AFE-90A1-4C6E-9381-5E055E541279}" type="slidenum">
+              <a:rPr lang="ru-RU" smtClean="0"/>
+              <a:t>10</a:t>
+            </a:fld>
+            <a:endParaRPr lang="ru-RU"/>
+          </a:p>
+        </p:txBody>
+      </p:sp>
+    </p:spTree>
+    <p:extLst>
+      <p:ext uri="{BB962C8B-B14F-4D97-AF65-F5344CB8AC3E}">
+        <p14:creationId xmlns:p14="http://schemas.microsoft.com/office/powerpoint/2010/main" val="3698127324"/>
+      </p:ext>
+    </p:extLst>
+  </p:cSld>
+  <p:clrMapOvr>
+    <a:masterClrMapping/>
+  </p:clrMapOvr>
+</p:sld>
+</file>
+
+<file path=ppt/slides/slide11.xml><?xml version="1.0" encoding="utf-8"?>
+<p:sld xmlns:a="http://schemas.openxmlformats.org/drawingml/2006/main" xmlns:r="http://schemas.openxmlformats.org/officeDocument/2006/relationships" xmlns:p="http://schemas.openxmlformats.org/presentationml/2006/main">
+  <p:cSld>
+    <p:spTree>
+      <p:nvGrpSpPr>
+        <p:cNvPr id="1" name=""/>
+        <p:cNvGrpSpPr/>
+        <p:nvPr/>
+      </p:nvGrpSpPr>
+      <p:grpSpPr>
+        <a:xfrm>
+          <a:off x="0" y="0"/>
+          <a:ext cx="0" cy="0"/>
+          <a:chOff x="0" y="0"/>
+          <a:chExt cx="0" cy="0"/>
+        </a:xfrm>
+      </p:grpSpPr>
+      <p:sp>
+        <p:nvSpPr>
+          <p:cNvPr id="2" name="Заголовок 1">
+            <a:extLst>
+              <a:ext uri="{FF2B5EF4-FFF2-40B4-BE49-F238E27FC236}">
+                <a16:creationId xmlns:a16="http://schemas.microsoft.com/office/drawing/2014/main" id="{D36FCF8B-CE60-457C-B15E-89F89D5C9851}"/>
+              </a:ext>
+            </a:extLst>
+          </p:cNvPr>
+          <p:cNvSpPr>
+            <a:spLocks noGrp="1"/>
+          </p:cNvSpPr>
+          <p:nvPr>
+            <p:ph type="title"/>
+          </p:nvPr>
+        </p:nvSpPr>
+        <p:spPr/>
+        <p:txBody>
+          <a:bodyPr/>
+          <a:lstStyle/>
+          <a:p>
+            <a:r>
+              <a:rPr lang="ru-RU" dirty="0"/>
+              <a:t>Приложения: лекционный материал</a:t>
+            </a:r>
+          </a:p>
+        </p:txBody>
+      </p:sp>
+      <p:pic>
+        <p:nvPicPr>
+          <p:cNvPr id="5" name="Объект 4">
+            <a:extLst>
+              <a:ext uri="{FF2B5EF4-FFF2-40B4-BE49-F238E27FC236}">
+                <a16:creationId xmlns:a16="http://schemas.microsoft.com/office/drawing/2014/main" id="{EDA46CE1-4725-4A5B-BC98-7B9C0B88E1FB}"/>
+              </a:ext>
+            </a:extLst>
+          </p:cNvPr>
+          <p:cNvPicPr>
+            <a:picLocks noGrp="1" noChangeAspect="1"/>
+          </p:cNvPicPr>
+          <p:nvPr>
+            <p:ph idx="1"/>
+          </p:nvPr>
+        </p:nvPicPr>
+        <p:blipFill>
+          <a:blip r:embed="rId2">
+            <a:extLst>
+              <a:ext uri="{28A0092B-C50C-407E-A947-70E740481C1C}">
+                <a14:useLocalDpi xmlns:a14="http://schemas.microsoft.com/office/drawing/2010/main" val="0"/>
+              </a:ext>
+            </a:extLst>
+          </a:blip>
+          <a:stretch>
+            <a:fillRect/>
+          </a:stretch>
+        </p:blipFill>
+        <p:spPr>
+          <a:xfrm>
+            <a:off x="2006340" y="1825625"/>
+            <a:ext cx="8179319" cy="4351338"/>
+          </a:xfrm>
+        </p:spPr>
+      </p:pic>
+      <p:sp>
+        <p:nvSpPr>
+          <p:cNvPr id="3" name="Номер слайда 2">
+            <a:extLst>
+              <a:ext uri="{FF2B5EF4-FFF2-40B4-BE49-F238E27FC236}">
+                <a16:creationId xmlns:a16="http://schemas.microsoft.com/office/drawing/2014/main" id="{651FBD9B-AC86-40F5-A949-E273AC4D661F}"/>
+              </a:ext>
+            </a:extLst>
+          </p:cNvPr>
+          <p:cNvSpPr>
+            <a:spLocks noGrp="1"/>
+          </p:cNvSpPr>
+          <p:nvPr>
+            <p:ph type="sldNum" sz="quarter" idx="12"/>
+          </p:nvPr>
+        </p:nvSpPr>
+        <p:spPr/>
+        <p:txBody>
+          <a:bodyPr/>
+          <a:lstStyle/>
+          <a:p>
+            <a:fld id="{A1F72AFE-90A1-4C6E-9381-5E055E541279}" type="slidenum">
+              <a:rPr lang="ru-RU" smtClean="0"/>
+              <a:t>11</a:t>
+            </a:fld>
+            <a:endParaRPr lang="ru-RU"/>
+          </a:p>
+        </p:txBody>
+      </p:sp>
+    </p:spTree>
+    <p:extLst>
+      <p:ext uri="{BB962C8B-B14F-4D97-AF65-F5344CB8AC3E}">
+        <p14:creationId xmlns:p14="http://schemas.microsoft.com/office/powerpoint/2010/main" val="509883585"/>
+      </p:ext>
+    </p:extLst>
+  </p:cSld>
+  <p:clrMapOvr>
+    <a:masterClrMapping/>
+  </p:clrMapOvr>
+</p:sld>
+</file>
+
+<file path=ppt/slides/slide12.xml><?xml version="1.0" encoding="utf-8"?>
+<p:sld xmlns:a="http://schemas.openxmlformats.org/drawingml/2006/main" xmlns:r="http://schemas.openxmlformats.org/officeDocument/2006/relationships" xmlns:p="http://schemas.openxmlformats.org/presentationml/2006/main">
+  <p:cSld>
+    <p:spTree>
+      <p:nvGrpSpPr>
+        <p:cNvPr id="1" name=""/>
+        <p:cNvGrpSpPr/>
+        <p:nvPr/>
+      </p:nvGrpSpPr>
+      <p:grpSpPr>
+        <a:xfrm>
+          <a:off x="0" y="0"/>
+          <a:ext cx="0" cy="0"/>
+          <a:chOff x="0" y="0"/>
+          <a:chExt cx="0" cy="0"/>
+        </a:xfrm>
+      </p:grpSpPr>
+      <p:sp>
+        <p:nvSpPr>
+          <p:cNvPr id="2" name="Заголовок 1">
+            <a:extLst>
+              <a:ext uri="{FF2B5EF4-FFF2-40B4-BE49-F238E27FC236}">
+                <a16:creationId xmlns:a16="http://schemas.microsoft.com/office/drawing/2014/main" id="{22E8955B-B82F-4B78-98BF-054D1C4DBDC5}"/>
+              </a:ext>
+            </a:extLst>
+          </p:cNvPr>
+          <p:cNvSpPr>
+            <a:spLocks noGrp="1"/>
+          </p:cNvSpPr>
+          <p:nvPr>
+            <p:ph type="title"/>
+          </p:nvPr>
+        </p:nvSpPr>
+        <p:spPr/>
+        <p:txBody>
+          <a:bodyPr/>
+          <a:lstStyle/>
+          <a:p>
+            <a:r>
+              <a:rPr lang="ru-RU" dirty="0"/>
+              <a:t>Приложения: тест</a:t>
+            </a:r>
+          </a:p>
+        </p:txBody>
+      </p:sp>
+      <p:pic>
+        <p:nvPicPr>
+          <p:cNvPr id="5" name="Объект 4">
+            <a:extLst>
+              <a:ext uri="{FF2B5EF4-FFF2-40B4-BE49-F238E27FC236}">
+                <a16:creationId xmlns:a16="http://schemas.microsoft.com/office/drawing/2014/main" id="{B75A7BE2-A7C0-4B30-9BD1-E99A5B603FEF}"/>
+              </a:ext>
+            </a:extLst>
+          </p:cNvPr>
+          <p:cNvPicPr>
+            <a:picLocks noGrp="1" noChangeAspect="1"/>
+          </p:cNvPicPr>
+          <p:nvPr>
+            <p:ph idx="1"/>
+          </p:nvPr>
+        </p:nvPicPr>
+        <p:blipFill>
+          <a:blip r:embed="rId2">
+            <a:extLst>
+              <a:ext uri="{28A0092B-C50C-407E-A947-70E740481C1C}">
+                <a14:useLocalDpi xmlns:a14="http://schemas.microsoft.com/office/drawing/2010/main" val="0"/>
+              </a:ext>
+            </a:extLst>
+          </a:blip>
+          <a:stretch>
+            <a:fillRect/>
+          </a:stretch>
+        </p:blipFill>
+        <p:spPr>
+          <a:xfrm>
+            <a:off x="2286772" y="1825625"/>
+            <a:ext cx="7618455" cy="4351338"/>
+          </a:xfrm>
+        </p:spPr>
+      </p:pic>
+      <p:sp>
+        <p:nvSpPr>
+          <p:cNvPr id="3" name="Номер слайда 2">
+            <a:extLst>
+              <a:ext uri="{FF2B5EF4-FFF2-40B4-BE49-F238E27FC236}">
+                <a16:creationId xmlns:a16="http://schemas.microsoft.com/office/drawing/2014/main" id="{24AECF2B-BCBA-4187-A09F-5703E438F154}"/>
+              </a:ext>
+            </a:extLst>
+          </p:cNvPr>
+          <p:cNvSpPr>
+            <a:spLocks noGrp="1"/>
+          </p:cNvSpPr>
+          <p:nvPr>
+            <p:ph type="sldNum" sz="quarter" idx="12"/>
+          </p:nvPr>
+        </p:nvSpPr>
+        <p:spPr/>
+        <p:txBody>
+          <a:bodyPr/>
+          <a:lstStyle/>
+          <a:p>
+            <a:fld id="{A1F72AFE-90A1-4C6E-9381-5E055E541279}" type="slidenum">
+              <a:rPr lang="ru-RU" smtClean="0"/>
+              <a:t>12</a:t>
+            </a:fld>
+            <a:endParaRPr lang="ru-RU"/>
+          </a:p>
+        </p:txBody>
+      </p:sp>
+    </p:spTree>
+    <p:extLst>
+      <p:ext uri="{BB962C8B-B14F-4D97-AF65-F5344CB8AC3E}">
+        <p14:creationId xmlns:p14="http://schemas.microsoft.com/office/powerpoint/2010/main" val="2989166287"/>
+      </p:ext>
+    </p:extLst>
+  </p:cSld>
+  <p:clrMapOvr>
+    <a:masterClrMapping/>
+  </p:clrMapOvr>
+</p:sld>
+</file>
+
+<file path=ppt/slides/slide13.xml><?xml version="1.0" encoding="utf-8"?>
+<p:sld xmlns:a="http://schemas.openxmlformats.org/drawingml/2006/main" xmlns:r="http://schemas.openxmlformats.org/officeDocument/2006/relationships" xmlns:p="http://schemas.openxmlformats.org/presentationml/2006/main">
+  <p:cSld>
+    <p:spTree>
+      <p:nvGrpSpPr>
+        <p:cNvPr id="1" name=""/>
+        <p:cNvGrpSpPr/>
+        <p:nvPr/>
+      </p:nvGrpSpPr>
+      <p:grpSpPr>
+        <a:xfrm>
+          <a:off x="0" y="0"/>
+          <a:ext cx="0" cy="0"/>
+          <a:chOff x="0" y="0"/>
+          <a:chExt cx="0" cy="0"/>
+        </a:xfrm>
+      </p:grpSpPr>
+      <p:sp>
+        <p:nvSpPr>
+          <p:cNvPr id="2" name="Заголовок 1">
+            <a:extLst>
+              <a:ext uri="{FF2B5EF4-FFF2-40B4-BE49-F238E27FC236}">
+                <a16:creationId xmlns:a16="http://schemas.microsoft.com/office/drawing/2014/main" id="{E78C212D-F11B-4AD3-AF0B-0B147A8C414B}"/>
+              </a:ext>
+            </a:extLst>
+          </p:cNvPr>
+          <p:cNvSpPr>
+            <a:spLocks noGrp="1"/>
+          </p:cNvSpPr>
+          <p:nvPr>
+            <p:ph type="title"/>
+          </p:nvPr>
+        </p:nvSpPr>
+        <p:spPr/>
+        <p:txBody>
+          <a:bodyPr/>
+          <a:lstStyle/>
+          <a:p>
+            <a:r>
+              <a:rPr lang="ru-RU" dirty="0"/>
+              <a:t>Приложения: задача спортивного программирования</a:t>
+            </a:r>
+          </a:p>
+        </p:txBody>
+      </p:sp>
+      <p:pic>
+        <p:nvPicPr>
+          <p:cNvPr id="5" name="Объект 4">
+            <a:extLst>
+              <a:ext uri="{FF2B5EF4-FFF2-40B4-BE49-F238E27FC236}">
+                <a16:creationId xmlns:a16="http://schemas.microsoft.com/office/drawing/2014/main" id="{70533FA7-1E01-4A53-9869-9D59E237315D}"/>
+              </a:ext>
+            </a:extLst>
+          </p:cNvPr>
+          <p:cNvPicPr>
+            <a:picLocks noGrp="1" noChangeAspect="1"/>
+          </p:cNvPicPr>
+          <p:nvPr>
+            <p:ph idx="1"/>
+          </p:nvPr>
+        </p:nvPicPr>
+        <p:blipFill>
+          <a:blip r:embed="rId2">
+            <a:extLst>
+              <a:ext uri="{28A0092B-C50C-407E-A947-70E740481C1C}">
+                <a14:useLocalDpi xmlns:a14="http://schemas.microsoft.com/office/drawing/2010/main" val="0"/>
+              </a:ext>
+            </a:extLst>
+          </a:blip>
+          <a:stretch>
+            <a:fillRect/>
+          </a:stretch>
+        </p:blipFill>
+        <p:spPr>
+          <a:xfrm>
+            <a:off x="2425318" y="1825625"/>
+            <a:ext cx="7341363" cy="4351338"/>
+          </a:xfrm>
+        </p:spPr>
+      </p:pic>
+      <p:sp>
+        <p:nvSpPr>
+          <p:cNvPr id="3" name="Номер слайда 2">
+            <a:extLst>
+              <a:ext uri="{FF2B5EF4-FFF2-40B4-BE49-F238E27FC236}">
+                <a16:creationId xmlns:a16="http://schemas.microsoft.com/office/drawing/2014/main" id="{0E20E273-9BEE-4433-99D3-19F64A72522E}"/>
+              </a:ext>
+            </a:extLst>
+          </p:cNvPr>
+          <p:cNvSpPr>
+            <a:spLocks noGrp="1"/>
+          </p:cNvSpPr>
+          <p:nvPr>
+            <p:ph type="sldNum" sz="quarter" idx="12"/>
+          </p:nvPr>
+        </p:nvSpPr>
+        <p:spPr/>
+        <p:txBody>
+          <a:bodyPr/>
+          <a:lstStyle/>
+          <a:p>
+            <a:fld id="{A1F72AFE-90A1-4C6E-9381-5E055E541279}" type="slidenum">
+              <a:rPr lang="ru-RU" smtClean="0"/>
+              <a:t>13</a:t>
+            </a:fld>
+            <a:endParaRPr lang="ru-RU"/>
+          </a:p>
+        </p:txBody>
+      </p:sp>
+    </p:spTree>
+    <p:extLst>
+      <p:ext uri="{BB962C8B-B14F-4D97-AF65-F5344CB8AC3E}">
+        <p14:creationId xmlns:p14="http://schemas.microsoft.com/office/powerpoint/2010/main" val="570039056"/>
+      </p:ext>
+    </p:extLst>
+  </p:cSld>
+  <p:clrMapOvr>
+    <a:masterClrMapping/>
+  </p:clrMapOvr>
+</p:sld>
+</file>
+
+<file path=ppt/slides/slide14.xml><?xml version="1.0" encoding="utf-8"?>
+<p:sld xmlns:a="http://schemas.openxmlformats.org/drawingml/2006/main" xmlns:r="http://schemas.openxmlformats.org/officeDocument/2006/relationships" xmlns:p="http://schemas.openxmlformats.org/presentationml/2006/main">
+  <p:cSld>
+    <p:spTree>
+      <p:nvGrpSpPr>
+        <p:cNvPr id="1" name=""/>
+        <p:cNvGrpSpPr/>
+        <p:nvPr/>
+      </p:nvGrpSpPr>
+      <p:grpSpPr>
+        <a:xfrm>
+          <a:off x="0" y="0"/>
+          <a:ext cx="0" cy="0"/>
+          <a:chOff x="0" y="0"/>
+          <a:chExt cx="0" cy="0"/>
+        </a:xfrm>
+      </p:grpSpPr>
+      <p:sp>
+        <p:nvSpPr>
+          <p:cNvPr id="2" name="Заголовок 1">
+            <a:extLst>
+              <a:ext uri="{FF2B5EF4-FFF2-40B4-BE49-F238E27FC236}">
+                <a16:creationId xmlns:a16="http://schemas.microsoft.com/office/drawing/2014/main" id="{CEC68BF5-FD36-4209-8088-E474C5E29E9A}"/>
+              </a:ext>
+            </a:extLst>
+          </p:cNvPr>
+          <p:cNvSpPr>
+            <a:spLocks noGrp="1"/>
+          </p:cNvSpPr>
+          <p:nvPr>
+            <p:ph type="title"/>
+          </p:nvPr>
+        </p:nvSpPr>
+        <p:spPr/>
+        <p:txBody>
+          <a:bodyPr/>
+          <a:lstStyle/>
+          <a:p>
+            <a:r>
+              <a:rPr lang="ru-RU" dirty="0"/>
+              <a:t>Приложения: задачи по математике</a:t>
+            </a:r>
+          </a:p>
+        </p:txBody>
+      </p:sp>
+      <p:pic>
+        <p:nvPicPr>
+          <p:cNvPr id="5" name="Объект 4">
+            <a:extLst>
+              <a:ext uri="{FF2B5EF4-FFF2-40B4-BE49-F238E27FC236}">
+                <a16:creationId xmlns:a16="http://schemas.microsoft.com/office/drawing/2014/main" id="{6C4A5577-C3C2-46CE-AFC9-2137ABA9F315}"/>
+              </a:ext>
+            </a:extLst>
+          </p:cNvPr>
+          <p:cNvPicPr>
+            <a:picLocks noGrp="1" noChangeAspect="1"/>
+          </p:cNvPicPr>
+          <p:nvPr>
+            <p:ph idx="1"/>
+          </p:nvPr>
+        </p:nvPicPr>
+        <p:blipFill>
+          <a:blip r:embed="rId2">
+            <a:extLst>
+              <a:ext uri="{28A0092B-C50C-407E-A947-70E740481C1C}">
+                <a14:useLocalDpi xmlns:a14="http://schemas.microsoft.com/office/drawing/2010/main" val="0"/>
+              </a:ext>
+            </a:extLst>
+          </a:blip>
+          <a:stretch>
+            <a:fillRect/>
+          </a:stretch>
+        </p:blipFill>
+        <p:spPr>
+          <a:xfrm>
+            <a:off x="1751658" y="1825625"/>
+            <a:ext cx="8688684" cy="4351338"/>
+          </a:xfrm>
+        </p:spPr>
+      </p:pic>
+      <p:sp>
+        <p:nvSpPr>
+          <p:cNvPr id="3" name="Номер слайда 2">
+            <a:extLst>
+              <a:ext uri="{FF2B5EF4-FFF2-40B4-BE49-F238E27FC236}">
+                <a16:creationId xmlns:a16="http://schemas.microsoft.com/office/drawing/2014/main" id="{B5F58339-4237-4E79-854E-8A3724475712}"/>
+              </a:ext>
+            </a:extLst>
+          </p:cNvPr>
+          <p:cNvSpPr>
+            <a:spLocks noGrp="1"/>
+          </p:cNvSpPr>
+          <p:nvPr>
+            <p:ph type="sldNum" sz="quarter" idx="12"/>
+          </p:nvPr>
+        </p:nvSpPr>
+        <p:spPr/>
+        <p:txBody>
+          <a:bodyPr/>
+          <a:lstStyle/>
+          <a:p>
+            <a:fld id="{A1F72AFE-90A1-4C6E-9381-5E055E541279}" type="slidenum">
+              <a:rPr lang="ru-RU" smtClean="0"/>
+              <a:t>14</a:t>
+            </a:fld>
+            <a:endParaRPr lang="ru-RU"/>
+          </a:p>
+        </p:txBody>
+      </p:sp>
+    </p:spTree>
+    <p:extLst>
+      <p:ext uri="{BB962C8B-B14F-4D97-AF65-F5344CB8AC3E}">
+        <p14:creationId xmlns:p14="http://schemas.microsoft.com/office/powerpoint/2010/main" val="1643139071"/>
+      </p:ext>
+    </p:extLst>
+  </p:cSld>
+  <p:clrMapOvr>
+    <a:masterClrMapping/>
+  </p:clrMapOvr>
+</p:sld>
+</file>
+
+<file path=ppt/slides/slide15.xml><?xml version="1.0" encoding="utf-8"?>
+<p:sld xmlns:a="http://schemas.openxmlformats.org/drawingml/2006/main" xmlns:r="http://schemas.openxmlformats.org/officeDocument/2006/relationships" xmlns:p="http://schemas.openxmlformats.org/presentationml/2006/main">
+  <p:cSld>
+    <p:spTree>
+      <p:nvGrpSpPr>
+        <p:cNvPr id="1" name=""/>
+        <p:cNvGrpSpPr/>
+        <p:nvPr/>
+      </p:nvGrpSpPr>
+      <p:grpSpPr>
+        <a:xfrm>
+          <a:off x="0" y="0"/>
+          <a:ext cx="0" cy="0"/>
+          <a:chOff x="0" y="0"/>
+          <a:chExt cx="0" cy="0"/>
+        </a:xfrm>
+      </p:grpSpPr>
+      <p:sp>
+        <p:nvSpPr>
+          <p:cNvPr id="2" name="Заголовок 1">
+            <a:extLst>
+              <a:ext uri="{FF2B5EF4-FFF2-40B4-BE49-F238E27FC236}">
+                <a16:creationId xmlns:a16="http://schemas.microsoft.com/office/drawing/2014/main" id="{FB9F5583-FC48-4074-A092-2500A48706B1}"/>
+              </a:ext>
+            </a:extLst>
+          </p:cNvPr>
+          <p:cNvSpPr>
+            <a:spLocks noGrp="1"/>
+          </p:cNvSpPr>
+          <p:nvPr>
+            <p:ph type="title"/>
+          </p:nvPr>
+        </p:nvSpPr>
+        <p:spPr/>
+        <p:txBody>
+          <a:bodyPr/>
+          <a:lstStyle/>
+          <a:p>
+            <a:r>
+              <a:rPr lang="ru-RU" dirty="0"/>
+              <a:t>Приложения: эссе по литературе</a:t>
+            </a:r>
+          </a:p>
+        </p:txBody>
+      </p:sp>
+      <p:pic>
+        <p:nvPicPr>
+          <p:cNvPr id="5" name="Объект 4">
+            <a:extLst>
+              <a:ext uri="{FF2B5EF4-FFF2-40B4-BE49-F238E27FC236}">
+                <a16:creationId xmlns:a16="http://schemas.microsoft.com/office/drawing/2014/main" id="{5FA965EC-0510-44C5-B826-524C50DAAEE0}"/>
+              </a:ext>
+            </a:extLst>
+          </p:cNvPr>
+          <p:cNvPicPr>
+            <a:picLocks noGrp="1" noChangeAspect="1"/>
+          </p:cNvPicPr>
+          <p:nvPr>
+            <p:ph idx="1"/>
+          </p:nvPr>
+        </p:nvPicPr>
+        <p:blipFill>
+          <a:blip r:embed="rId2">
+            <a:extLst>
+              <a:ext uri="{28A0092B-C50C-407E-A947-70E740481C1C}">
+                <a14:useLocalDpi xmlns:a14="http://schemas.microsoft.com/office/drawing/2010/main" val="0"/>
+              </a:ext>
+            </a:extLst>
+          </a:blip>
+          <a:stretch>
+            <a:fillRect/>
+          </a:stretch>
+        </p:blipFill>
+        <p:spPr>
+          <a:xfrm>
+            <a:off x="1744662" y="1825625"/>
+            <a:ext cx="8702676" cy="4351338"/>
+          </a:xfrm>
+        </p:spPr>
+      </p:pic>
+      <p:sp>
+        <p:nvSpPr>
+          <p:cNvPr id="3" name="Номер слайда 2">
+            <a:extLst>
+              <a:ext uri="{FF2B5EF4-FFF2-40B4-BE49-F238E27FC236}">
+                <a16:creationId xmlns:a16="http://schemas.microsoft.com/office/drawing/2014/main" id="{896753AB-90DC-44FB-8ABF-541F333DBF50}"/>
+              </a:ext>
+            </a:extLst>
+          </p:cNvPr>
+          <p:cNvSpPr>
+            <a:spLocks noGrp="1"/>
+          </p:cNvSpPr>
+          <p:nvPr>
+            <p:ph type="sldNum" sz="quarter" idx="12"/>
+          </p:nvPr>
+        </p:nvSpPr>
+        <p:spPr/>
+        <p:txBody>
+          <a:bodyPr/>
+          <a:lstStyle/>
+          <a:p>
+            <a:fld id="{A1F72AFE-90A1-4C6E-9381-5E055E541279}" type="slidenum">
+              <a:rPr lang="ru-RU" smtClean="0"/>
+              <a:t>15</a:t>
+            </a:fld>
+            <a:endParaRPr lang="ru-RU"/>
+          </a:p>
+        </p:txBody>
+      </p:sp>
+    </p:spTree>
+    <p:extLst>
+      <p:ext uri="{BB962C8B-B14F-4D97-AF65-F5344CB8AC3E}">
+        <p14:creationId xmlns:p14="http://schemas.microsoft.com/office/powerpoint/2010/main" val="4060811891"/>
+      </p:ext>
+    </p:extLst>
+  </p:cSld>
+  <p:clrMapOvr>
+    <a:masterClrMapping/>
+  </p:clrMapOvr>
+</p:sld>
+</file>
+
+<file path=ppt/slides/slide16.xml><?xml version="1.0" encoding="utf-8"?>
+<p:sld xmlns:a="http://schemas.openxmlformats.org/drawingml/2006/main" xmlns:r="http://schemas.openxmlformats.org/officeDocument/2006/relationships" xmlns:p="http://schemas.openxmlformats.org/presentationml/2006/main">
+  <p:cSld>
+    <p:spTree>
+      <p:nvGrpSpPr>
+        <p:cNvPr id="1" name=""/>
+        <p:cNvGrpSpPr/>
+        <p:nvPr/>
+      </p:nvGrpSpPr>
+      <p:grpSpPr>
+        <a:xfrm>
+          <a:off x="0" y="0"/>
+          <a:ext cx="0" cy="0"/>
+          <a:chOff x="0" y="0"/>
+          <a:chExt cx="0" cy="0"/>
+        </a:xfrm>
+      </p:grpSpPr>
+      <p:sp>
+        <p:nvSpPr>
+          <p:cNvPr id="2" name="Заголовок 1">
+            <a:extLst>
+              <a:ext uri="{FF2B5EF4-FFF2-40B4-BE49-F238E27FC236}">
+                <a16:creationId xmlns:a16="http://schemas.microsoft.com/office/drawing/2014/main" id="{A8A1B5D6-6FFA-4C1E-BDA8-43FB448D713E}"/>
+              </a:ext>
+            </a:extLst>
+          </p:cNvPr>
+          <p:cNvSpPr>
+            <a:spLocks noGrp="1"/>
+          </p:cNvSpPr>
+          <p:nvPr>
+            <p:ph type="title"/>
+          </p:nvPr>
+        </p:nvSpPr>
+        <p:spPr/>
+        <p:txBody>
+          <a:bodyPr/>
+          <a:lstStyle/>
+          <a:p>
+            <a:r>
+              <a:rPr lang="ru-RU" dirty="0"/>
+              <a:t>Текущая разработка</a:t>
+            </a:r>
+          </a:p>
+        </p:txBody>
+      </p:sp>
+      <p:sp>
+        <p:nvSpPr>
+          <p:cNvPr id="3" name="Объект 2">
+            <a:extLst>
+              <a:ext uri="{FF2B5EF4-FFF2-40B4-BE49-F238E27FC236}">
+                <a16:creationId xmlns:a16="http://schemas.microsoft.com/office/drawing/2014/main" id="{3B246EE5-D3E8-4792-90E8-1D4C6A31EFDC}"/>
+              </a:ext>
+            </a:extLst>
+          </p:cNvPr>
+          <p:cNvSpPr>
+            <a:spLocks noGrp="1"/>
+          </p:cNvSpPr>
+          <p:nvPr>
+            <p:ph idx="1"/>
+          </p:nvPr>
+        </p:nvSpPr>
+        <p:spPr/>
+        <p:txBody>
+          <a:bodyPr/>
+          <a:lstStyle/>
+          <a:p>
+            <a:r>
+              <a:rPr lang="ru-RU" dirty="0"/>
+              <a:t>Веб-сайт</a:t>
+            </a:r>
+          </a:p>
+          <a:p>
+            <a:pPr lvl="1"/>
+            <a:r>
+              <a:rPr lang="en-US" dirty="0"/>
+              <a:t>Python 3</a:t>
+            </a:r>
+          </a:p>
+          <a:p>
+            <a:pPr lvl="1"/>
+            <a:r>
+              <a:rPr lang="en-US" dirty="0"/>
+              <a:t>Django</a:t>
+            </a:r>
+          </a:p>
+          <a:p>
+            <a:pPr lvl="1"/>
+            <a:r>
+              <a:rPr lang="en-US" dirty="0"/>
+              <a:t>Bootstrap 4</a:t>
+            </a:r>
+            <a:endParaRPr lang="ru-RU" dirty="0"/>
+          </a:p>
+          <a:p>
+            <a:r>
+              <a:rPr lang="ru-RU" dirty="0"/>
+              <a:t>База данных</a:t>
+            </a:r>
+          </a:p>
+          <a:p>
+            <a:pPr lvl="1"/>
+            <a:r>
+              <a:rPr lang="en-US" dirty="0"/>
+              <a:t>PostgreSQL</a:t>
+            </a:r>
+          </a:p>
+        </p:txBody>
+      </p:sp>
+      <p:sp>
+        <p:nvSpPr>
+          <p:cNvPr id="4" name="Номер слайда 3">
+            <a:extLst>
+              <a:ext uri="{FF2B5EF4-FFF2-40B4-BE49-F238E27FC236}">
+                <a16:creationId xmlns:a16="http://schemas.microsoft.com/office/drawing/2014/main" id="{22B936DF-95FF-4F98-9D8F-12DA490F221B}"/>
+              </a:ext>
+            </a:extLst>
+          </p:cNvPr>
+          <p:cNvSpPr>
+            <a:spLocks noGrp="1"/>
+          </p:cNvSpPr>
+          <p:nvPr>
+            <p:ph type="sldNum" sz="quarter" idx="12"/>
+          </p:nvPr>
+        </p:nvSpPr>
+        <p:spPr/>
+        <p:txBody>
+          <a:bodyPr/>
+          <a:lstStyle/>
+          <a:p>
+            <a:fld id="{A1F72AFE-90A1-4C6E-9381-5E055E541279}" type="slidenum">
+              <a:rPr lang="ru-RU" smtClean="0"/>
+              <a:t>16</a:t>
+            </a:fld>
+            <a:endParaRPr lang="ru-RU"/>
+          </a:p>
+        </p:txBody>
+      </p:sp>
+    </p:spTree>
+    <p:extLst>
+      <p:ext uri="{BB962C8B-B14F-4D97-AF65-F5344CB8AC3E}">
+        <p14:creationId xmlns:p14="http://schemas.microsoft.com/office/powerpoint/2010/main" val="2941815870"/>
+      </p:ext>
+    </p:extLst>
+  </p:cSld>
+  <p:clrMapOvr>
+    <a:masterClrMapping/>
+  </p:clrMapOvr>
+</p:sld>
+</file>
+
+<file path=ppt/slides/slide17.xml><?xml version="1.0" encoding="utf-8"?>
+<p:sld xmlns:a="http://schemas.openxmlformats.org/drawingml/2006/main" xmlns:r="http://schemas.openxmlformats.org/officeDocument/2006/relationships" xmlns:p="http://schemas.openxmlformats.org/presentationml/2006/main">
+  <p:cSld>
+    <p:spTree>
+      <p:nvGrpSpPr>
+        <p:cNvPr id="1" name=""/>
+        <p:cNvGrpSpPr/>
+        <p:nvPr/>
+      </p:nvGrpSpPr>
+      <p:grpSpPr>
+        <a:xfrm>
+          <a:off x="0" y="0"/>
+          <a:ext cx="0" cy="0"/>
+          <a:chOff x="0" y="0"/>
+          <a:chExt cx="0" cy="0"/>
+        </a:xfrm>
+      </p:grpSpPr>
+      <p:sp>
+        <p:nvSpPr>
+          <p:cNvPr id="2" name="Заголовок 1">
+            <a:extLst>
+              <a:ext uri="{FF2B5EF4-FFF2-40B4-BE49-F238E27FC236}">
+                <a16:creationId xmlns:a16="http://schemas.microsoft.com/office/drawing/2014/main" id="{6405C1FD-98C1-4C20-AF31-A1A325E40D38}"/>
+              </a:ext>
+            </a:extLst>
+          </p:cNvPr>
+          <p:cNvSpPr>
+            <a:spLocks noGrp="1"/>
+          </p:cNvSpPr>
+          <p:nvPr>
+            <p:ph type="ctrTitle"/>
+          </p:nvPr>
+        </p:nvSpPr>
+        <p:spPr/>
+        <p:txBody>
+          <a:bodyPr/>
+          <a:lstStyle/>
+          <a:p>
+            <a:r>
+              <a:rPr lang="ru-RU" dirty="0"/>
+              <a:t>Спасибо за внимание!</a:t>
+            </a:r>
+          </a:p>
+        </p:txBody>
+      </p:sp>
+    </p:spTree>
+    <p:extLst>
+      <p:ext uri="{BB962C8B-B14F-4D97-AF65-F5344CB8AC3E}">
+        <p14:creationId xmlns:p14="http://schemas.microsoft.com/office/powerpoint/2010/main" val="365837382"/>
       </p:ext>
     </p:extLst>
   </p:cSld>
@@ -3484,7 +4815,7 @@
           <a:p>
             <a:r>
               <a:rPr lang="ru-RU" dirty="0"/>
-              <a:t>Цели проекта</a:t>
+              <a:t>Цели системы</a:t>
             </a:r>
           </a:p>
         </p:txBody>
@@ -3512,20 +4843,49 @@
           <a:p>
             <a:r>
               <a:rPr lang="ru-RU" dirty="0"/>
-              <a:t>Способствовать обучению студентов за счёт интересного материала</a:t>
+              <a:t>Обучать студентов с помощью интересного учебного материала в интерактивной форме</a:t>
             </a:r>
           </a:p>
           <a:p>
             <a:r>
               <a:rPr lang="ru-RU" dirty="0"/>
-              <a:t>Позволять создавать разнообразный интерактивный материал</a:t>
+              <a:t>Позволять создавать разнообразный учебный материал</a:t>
             </a:r>
           </a:p>
           <a:p>
             <a:r>
               <a:rPr lang="ru-RU" dirty="0"/>
-              <a:t>Снизить нагрузку на преподавателей, переложив работу по проверке решений на систему</a:t>
-            </a:r>
+              <a:t>Снизить нагрузку на преподавателей, автоматизировав работу по проверке решений</a:t>
+            </a:r>
+          </a:p>
+        </p:txBody>
+      </p:sp>
+      <p:sp>
+        <p:nvSpPr>
+          <p:cNvPr id="4" name="Номер слайда 3">
+            <a:extLst>
+              <a:ext uri="{FF2B5EF4-FFF2-40B4-BE49-F238E27FC236}">
+                <a16:creationId xmlns:a16="http://schemas.microsoft.com/office/drawing/2014/main" id="{302E86D8-8903-451F-B2B4-25E2105F444B}"/>
+              </a:ext>
+            </a:extLst>
+          </p:cNvPr>
+          <p:cNvSpPr>
+            <a:spLocks noGrp="1"/>
+          </p:cNvSpPr>
+          <p:nvPr>
+            <p:ph type="sldNum" sz="quarter" idx="12"/>
+          </p:nvPr>
+        </p:nvSpPr>
+        <p:spPr/>
+        <p:txBody>
+          <a:bodyPr/>
+          <a:lstStyle/>
+          <a:p>
+            <a:fld id="{A1F72AFE-90A1-4C6E-9381-5E055E541279}" type="slidenum">
+              <a:rPr lang="ru-RU" smtClean="0"/>
+              <a:t>2</a:t>
+            </a:fld>
+            <a:endParaRPr lang="ru-RU"/>
           </a:p>
         </p:txBody>
       </p:sp>
@@ -3564,7 +4924,7 @@
           <p:cNvPr id="2" name="Заголовок 1">
             <a:extLst>
               <a:ext uri="{FF2B5EF4-FFF2-40B4-BE49-F238E27FC236}">
-                <a16:creationId xmlns:a16="http://schemas.microsoft.com/office/drawing/2014/main" id="{78095C5F-66F4-4998-9DD9-523FE97FE43B}"/>
+                <a16:creationId xmlns:a16="http://schemas.microsoft.com/office/drawing/2014/main" id="{54441293-102F-4D3E-8B99-6363F7FC66BD}"/>
               </a:ext>
             </a:extLst>
           </p:cNvPr>
@@ -3579,73 +4939,108 @@
         <p:txBody>
           <a:bodyPr/>
           <a:lstStyle/>
+          <a:p>
+            <a:r>
+              <a:rPr lang="ru-RU" dirty="0"/>
+              <a:t>Концепция: структура системы</a:t>
+            </a:r>
+          </a:p>
+        </p:txBody>
+      </p:sp>
+      <p:sp>
+        <p:nvSpPr>
+          <p:cNvPr id="3" name="Объект 2">
+            <a:extLst>
+              <a:ext uri="{FF2B5EF4-FFF2-40B4-BE49-F238E27FC236}">
+                <a16:creationId xmlns:a16="http://schemas.microsoft.com/office/drawing/2014/main" id="{5CB57872-48F8-49EA-AAE8-2D7F36E7BF25}"/>
+              </a:ext>
+            </a:extLst>
+          </p:cNvPr>
+          <p:cNvSpPr>
+            <a:spLocks noGrp="1"/>
+          </p:cNvSpPr>
+          <p:nvPr>
+            <p:ph idx="1"/>
+          </p:nvPr>
+        </p:nvSpPr>
+        <p:spPr/>
+        <p:txBody>
+          <a:bodyPr/>
+          <a:lstStyle/>
+          <a:p>
+            <a:r>
+              <a:rPr lang="ru-RU" dirty="0"/>
+              <a:t>Веб-сайт</a:t>
+            </a:r>
+          </a:p>
+          <a:p>
+            <a:r>
+              <a:rPr lang="ru-RU" dirty="0"/>
+              <a:t>Базы данных</a:t>
+            </a:r>
+          </a:p>
+          <a:p>
+            <a:r>
+              <a:rPr lang="ru-RU" dirty="0"/>
+              <a:t>Учебные материалы</a:t>
+            </a:r>
+          </a:p>
           <a:p>
             <a:r>
               <a:rPr lang="ru-RU" dirty="0"/>
               <a:t>Приложения</a:t>
             </a:r>
           </a:p>
-        </p:txBody>
-      </p:sp>
-      <p:sp>
-        <p:nvSpPr>
-          <p:cNvPr id="3" name="Объект 2">
-            <a:extLst>
-              <a:ext uri="{FF2B5EF4-FFF2-40B4-BE49-F238E27FC236}">
-                <a16:creationId xmlns:a16="http://schemas.microsoft.com/office/drawing/2014/main" id="{465F0FBB-5305-482E-8332-371F0BFBE924}"/>
-              </a:ext>
-            </a:extLst>
-          </p:cNvPr>
-          <p:cNvSpPr>
-            <a:spLocks noGrp="1"/>
-          </p:cNvSpPr>
-          <p:nvPr>
-            <p:ph idx="1"/>
-          </p:nvPr>
-        </p:nvSpPr>
-        <p:spPr/>
-        <p:txBody>
-          <a:bodyPr/>
-          <a:lstStyle/>
           <a:p>
             <a:r>
               <a:rPr lang="ru-RU" dirty="0"/>
-              <a:t>Компиляторы/интерпретаторы</a:t>
+              <a:t>Системы контроля версий</a:t>
             </a:r>
           </a:p>
           <a:p>
             <a:r>
               <a:rPr lang="ru-RU" dirty="0"/>
-              <a:t>Программа для проверки программы студента на тестах</a:t>
-            </a:r>
-          </a:p>
-          <a:p>
-            <a:r>
-              <a:rPr lang="ru-RU" dirty="0"/>
-              <a:t>Программа для проверки результатов тестирования студента</a:t>
-            </a:r>
-          </a:p>
-          <a:p>
-            <a:r>
-              <a:rPr lang="ru-RU" dirty="0"/>
-              <a:t>Скрипты для отображения интерактивного лекционного материала на странице</a:t>
-            </a:r>
-          </a:p>
-          <a:p>
-            <a:r>
-              <a:rPr lang="ru-RU" dirty="0"/>
-              <a:t>Нейросеть для распознавания рукописного текста</a:t>
+              <a:t>Серверное ПО</a:t>
             </a:r>
           </a:p>
           <a:p>
             <a:endParaRPr lang="ru-RU" dirty="0"/>
+          </a:p>
+        </p:txBody>
+      </p:sp>
+      <p:sp>
+        <p:nvSpPr>
+          <p:cNvPr id="4" name="Номер слайда 3">
+            <a:extLst>
+              <a:ext uri="{FF2B5EF4-FFF2-40B4-BE49-F238E27FC236}">
+                <a16:creationId xmlns:a16="http://schemas.microsoft.com/office/drawing/2014/main" id="{A87767A2-0F27-4CFA-AE26-F540FD220A3A}"/>
+              </a:ext>
+            </a:extLst>
+          </p:cNvPr>
+          <p:cNvSpPr>
+            <a:spLocks noGrp="1"/>
+          </p:cNvSpPr>
+          <p:nvPr>
+            <p:ph type="sldNum" sz="quarter" idx="12"/>
+          </p:nvPr>
+        </p:nvSpPr>
+        <p:spPr/>
+        <p:txBody>
+          <a:bodyPr/>
+          <a:lstStyle/>
+          <a:p>
+            <a:fld id="{A1F72AFE-90A1-4C6E-9381-5E055E541279}" type="slidenum">
+              <a:rPr lang="ru-RU" smtClean="0"/>
+              <a:t>3</a:t>
+            </a:fld>
+            <a:endParaRPr lang="ru-RU"/>
           </a:p>
         </p:txBody>
       </p:sp>
     </p:spTree>
     <p:extLst>
       <p:ext uri="{BB962C8B-B14F-4D97-AF65-F5344CB8AC3E}">
-        <p14:creationId xmlns:p14="http://schemas.microsoft.com/office/powerpoint/2010/main" val="3698127324"/>
+        <p14:creationId xmlns:p14="http://schemas.microsoft.com/office/powerpoint/2010/main" val="3568048484"/>
       </p:ext>
     </p:extLst>
   </p:cSld>
@@ -3677,7 +5072,7 @@
           <p:cNvPr id="2" name="Заголовок 1">
             <a:extLst>
               <a:ext uri="{FF2B5EF4-FFF2-40B4-BE49-F238E27FC236}">
-                <a16:creationId xmlns:a16="http://schemas.microsoft.com/office/drawing/2014/main" id="{D36FCF8B-CE60-457C-B15E-89F89D5C9851}"/>
+                <a16:creationId xmlns:a16="http://schemas.microsoft.com/office/drawing/2014/main" id="{C68146DF-5F15-4198-8B8B-3FB085DF7DA2}"/>
               </a:ext>
             </a:extLst>
           </p:cNvPr>
@@ -3695,50 +5090,72 @@
           <a:p>
             <a:r>
               <a:rPr lang="ru-RU" dirty="0"/>
-              <a:t>Лекционный материал</a:t>
-            </a:r>
-          </a:p>
-        </p:txBody>
-      </p:sp>
-      <p:pic>
-        <p:nvPicPr>
-          <p:cNvPr id="5" name="Объект 4">
-            <a:extLst>
-              <a:ext uri="{FF2B5EF4-FFF2-40B4-BE49-F238E27FC236}">
-                <a16:creationId xmlns:a16="http://schemas.microsoft.com/office/drawing/2014/main" id="{EDA46CE1-4725-4A5B-BC98-7B9C0B88E1FB}"/>
-              </a:ext>
-            </a:extLst>
-          </p:cNvPr>
-          <p:cNvPicPr>
-            <a:picLocks noGrp="1" noChangeAspect="1"/>
-          </p:cNvPicPr>
+              <a:t>Концепция: веб-сайт</a:t>
+            </a:r>
+          </a:p>
+        </p:txBody>
+      </p:sp>
+      <p:sp>
+        <p:nvSpPr>
+          <p:cNvPr id="3" name="Объект 2">
+            <a:extLst>
+              <a:ext uri="{FF2B5EF4-FFF2-40B4-BE49-F238E27FC236}">
+                <a16:creationId xmlns:a16="http://schemas.microsoft.com/office/drawing/2014/main" id="{25C396DD-DAA8-40C7-A0A5-F22F7426398F}"/>
+              </a:ext>
+            </a:extLst>
+          </p:cNvPr>
+          <p:cNvSpPr>
+            <a:spLocks noGrp="1"/>
+          </p:cNvSpPr>
           <p:nvPr>
             <p:ph idx="1"/>
           </p:nvPr>
-        </p:nvPicPr>
-        <p:blipFill>
-          <a:blip r:embed="rId2">
-            <a:extLst>
-              <a:ext uri="{28A0092B-C50C-407E-A947-70E740481C1C}">
-                <a14:useLocalDpi xmlns:a14="http://schemas.microsoft.com/office/drawing/2010/main" val="0"/>
-              </a:ext>
-            </a:extLst>
-          </a:blip>
-          <a:stretch>
-            <a:fillRect/>
-          </a:stretch>
-        </p:blipFill>
-        <p:spPr>
-          <a:xfrm>
-            <a:off x="2006340" y="1825625"/>
-            <a:ext cx="8179319" cy="4351338"/>
-          </a:xfrm>
-        </p:spPr>
-      </p:pic>
+        </p:nvSpPr>
+        <p:spPr/>
+        <p:txBody>
+          <a:bodyPr/>
+          <a:lstStyle/>
+          <a:p>
+            <a:r>
+              <a:rPr lang="ru-RU" dirty="0"/>
+              <a:t>Обеспечивает взаимодействие пользователей и системы</a:t>
+            </a:r>
+          </a:p>
+        </p:txBody>
+      </p:sp>
+      <p:sp>
+        <p:nvSpPr>
+          <p:cNvPr id="4" name="Номер слайда 3">
+            <a:extLst>
+              <a:ext uri="{FF2B5EF4-FFF2-40B4-BE49-F238E27FC236}">
+                <a16:creationId xmlns:a16="http://schemas.microsoft.com/office/drawing/2014/main" id="{98409171-49F3-4F3B-9DB0-EF7DB83064CA}"/>
+              </a:ext>
+            </a:extLst>
+          </p:cNvPr>
+          <p:cNvSpPr>
+            <a:spLocks noGrp="1"/>
+          </p:cNvSpPr>
+          <p:nvPr>
+            <p:ph type="sldNum" sz="quarter" idx="12"/>
+          </p:nvPr>
+        </p:nvSpPr>
+        <p:spPr/>
+        <p:txBody>
+          <a:bodyPr/>
+          <a:lstStyle/>
+          <a:p>
+            <a:fld id="{A1F72AFE-90A1-4C6E-9381-5E055E541279}" type="slidenum">
+              <a:rPr lang="ru-RU" smtClean="0"/>
+              <a:t>4</a:t>
+            </a:fld>
+            <a:endParaRPr lang="ru-RU"/>
+          </a:p>
+        </p:txBody>
+      </p:sp>
     </p:spTree>
     <p:extLst>
       <p:ext uri="{BB962C8B-B14F-4D97-AF65-F5344CB8AC3E}">
-        <p14:creationId xmlns:p14="http://schemas.microsoft.com/office/powerpoint/2010/main" val="509883585"/>
+        <p14:creationId xmlns:p14="http://schemas.microsoft.com/office/powerpoint/2010/main" val="3412816252"/>
       </p:ext>
     </p:extLst>
   </p:cSld>
@@ -3770,7 +5187,7 @@
           <p:cNvPr id="2" name="Заголовок 1">
             <a:extLst>
               <a:ext uri="{FF2B5EF4-FFF2-40B4-BE49-F238E27FC236}">
-                <a16:creationId xmlns:a16="http://schemas.microsoft.com/office/drawing/2014/main" id="{22E8955B-B82F-4B78-98BF-054D1C4DBDC5}"/>
+                <a16:creationId xmlns:a16="http://schemas.microsoft.com/office/drawing/2014/main" id="{4E410604-2F5A-40B0-B267-4FDE8819CB3B}"/>
               </a:ext>
             </a:extLst>
           </p:cNvPr>
@@ -3788,50 +5205,78 @@
           <a:p>
             <a:r>
               <a:rPr lang="ru-RU" dirty="0"/>
-              <a:t>Тест</a:t>
-            </a:r>
-          </a:p>
-        </p:txBody>
-      </p:sp>
-      <p:pic>
-        <p:nvPicPr>
-          <p:cNvPr id="5" name="Объект 4">
-            <a:extLst>
-              <a:ext uri="{FF2B5EF4-FFF2-40B4-BE49-F238E27FC236}">
-                <a16:creationId xmlns:a16="http://schemas.microsoft.com/office/drawing/2014/main" id="{B75A7BE2-A7C0-4B30-9BD1-E99A5B603FEF}"/>
-              </a:ext>
-            </a:extLst>
-          </p:cNvPr>
-          <p:cNvPicPr>
-            <a:picLocks noGrp="1" noChangeAspect="1"/>
-          </p:cNvPicPr>
+              <a:t>Концепция: базы данных</a:t>
+            </a:r>
+          </a:p>
+        </p:txBody>
+      </p:sp>
+      <p:sp>
+        <p:nvSpPr>
+          <p:cNvPr id="3" name="Объект 2">
+            <a:extLst>
+              <a:ext uri="{FF2B5EF4-FFF2-40B4-BE49-F238E27FC236}">
+                <a16:creationId xmlns:a16="http://schemas.microsoft.com/office/drawing/2014/main" id="{1C6269B7-300A-4B1F-ABF5-EC145BFAE598}"/>
+              </a:ext>
+            </a:extLst>
+          </p:cNvPr>
+          <p:cNvSpPr>
+            <a:spLocks noGrp="1"/>
+          </p:cNvSpPr>
           <p:nvPr>
             <p:ph idx="1"/>
           </p:nvPr>
-        </p:nvPicPr>
-        <p:blipFill>
-          <a:blip r:embed="rId2">
-            <a:extLst>
-              <a:ext uri="{28A0092B-C50C-407E-A947-70E740481C1C}">
-                <a14:useLocalDpi xmlns:a14="http://schemas.microsoft.com/office/drawing/2010/main" val="0"/>
-              </a:ext>
-            </a:extLst>
-          </a:blip>
-          <a:stretch>
-            <a:fillRect/>
-          </a:stretch>
-        </p:blipFill>
-        <p:spPr>
-          <a:xfrm>
-            <a:off x="2286772" y="1825625"/>
-            <a:ext cx="7618455" cy="4351338"/>
-          </a:xfrm>
-        </p:spPr>
-      </p:pic>
+        </p:nvSpPr>
+        <p:spPr/>
+        <p:txBody>
+          <a:bodyPr/>
+          <a:lstStyle/>
+          <a:p>
+            <a:r>
+              <a:rPr lang="ru-RU" dirty="0"/>
+              <a:t>Глобальная БД хранит данные о пользователях, приложениях и других сущностях системы</a:t>
+            </a:r>
+          </a:p>
+          <a:p>
+            <a:r>
+              <a:rPr lang="ru-RU" dirty="0"/>
+              <a:t>Локальные БД могут использоваться приложениями в своих целях</a:t>
+            </a:r>
+          </a:p>
+        </p:txBody>
+      </p:sp>
+      <p:sp>
+        <p:nvSpPr>
+          <p:cNvPr id="4" name="Номер слайда 3">
+            <a:extLst>
+              <a:ext uri="{FF2B5EF4-FFF2-40B4-BE49-F238E27FC236}">
+                <a16:creationId xmlns:a16="http://schemas.microsoft.com/office/drawing/2014/main" id="{AA8E5492-B773-4C21-B933-8656E5CFAB31}"/>
+              </a:ext>
+            </a:extLst>
+          </p:cNvPr>
+          <p:cNvSpPr>
+            <a:spLocks noGrp="1"/>
+          </p:cNvSpPr>
+          <p:nvPr>
+            <p:ph type="sldNum" sz="quarter" idx="12"/>
+          </p:nvPr>
+        </p:nvSpPr>
+        <p:spPr/>
+        <p:txBody>
+          <a:bodyPr/>
+          <a:lstStyle/>
+          <a:p>
+            <a:fld id="{A1F72AFE-90A1-4C6E-9381-5E055E541279}" type="slidenum">
+              <a:rPr lang="ru-RU" smtClean="0"/>
+              <a:t>5</a:t>
+            </a:fld>
+            <a:endParaRPr lang="ru-RU"/>
+          </a:p>
+        </p:txBody>
+      </p:sp>
     </p:spTree>
     <p:extLst>
       <p:ext uri="{BB962C8B-B14F-4D97-AF65-F5344CB8AC3E}">
-        <p14:creationId xmlns:p14="http://schemas.microsoft.com/office/powerpoint/2010/main" val="2989166287"/>
+        <p14:creationId xmlns:p14="http://schemas.microsoft.com/office/powerpoint/2010/main" val="2817235060"/>
       </p:ext>
     </p:extLst>
   </p:cSld>
@@ -3863,7 +5308,7 @@
           <p:cNvPr id="2" name="Заголовок 1">
             <a:extLst>
               <a:ext uri="{FF2B5EF4-FFF2-40B4-BE49-F238E27FC236}">
-                <a16:creationId xmlns:a16="http://schemas.microsoft.com/office/drawing/2014/main" id="{E78C212D-F11B-4AD3-AF0B-0B147A8C414B}"/>
+                <a16:creationId xmlns:a16="http://schemas.microsoft.com/office/drawing/2014/main" id="{1E156934-CAED-4CCC-8F42-51A15E9B587E}"/>
               </a:ext>
             </a:extLst>
           </p:cNvPr>
@@ -3881,50 +5326,84 @@
           <a:p>
             <a:r>
               <a:rPr lang="ru-RU" dirty="0"/>
-              <a:t>Задача спортивного программирования</a:t>
-            </a:r>
-          </a:p>
-        </p:txBody>
-      </p:sp>
-      <p:pic>
-        <p:nvPicPr>
-          <p:cNvPr id="5" name="Объект 4">
-            <a:extLst>
-              <a:ext uri="{FF2B5EF4-FFF2-40B4-BE49-F238E27FC236}">
-                <a16:creationId xmlns:a16="http://schemas.microsoft.com/office/drawing/2014/main" id="{70533FA7-1E01-4A53-9869-9D59E237315D}"/>
-              </a:ext>
-            </a:extLst>
-          </p:cNvPr>
-          <p:cNvPicPr>
-            <a:picLocks noGrp="1" noChangeAspect="1"/>
-          </p:cNvPicPr>
+              <a:t>Концепция: учебные материалы</a:t>
+            </a:r>
+          </a:p>
+        </p:txBody>
+      </p:sp>
+      <p:sp>
+        <p:nvSpPr>
+          <p:cNvPr id="3" name="Объект 2">
+            <a:extLst>
+              <a:ext uri="{FF2B5EF4-FFF2-40B4-BE49-F238E27FC236}">
+                <a16:creationId xmlns:a16="http://schemas.microsoft.com/office/drawing/2014/main" id="{0A62F514-B91A-4A33-B570-6FB01AE6F7BE}"/>
+              </a:ext>
+            </a:extLst>
+          </p:cNvPr>
+          <p:cNvSpPr>
+            <a:spLocks noGrp="1"/>
+          </p:cNvSpPr>
           <p:nvPr>
             <p:ph idx="1"/>
           </p:nvPr>
-        </p:nvPicPr>
-        <p:blipFill>
-          <a:blip r:embed="rId2">
-            <a:extLst>
-              <a:ext uri="{28A0092B-C50C-407E-A947-70E740481C1C}">
-                <a14:useLocalDpi xmlns:a14="http://schemas.microsoft.com/office/drawing/2010/main" val="0"/>
-              </a:ext>
-            </a:extLst>
-          </a:blip>
-          <a:stretch>
-            <a:fillRect/>
-          </a:stretch>
-        </p:blipFill>
-        <p:spPr>
-          <a:xfrm>
-            <a:off x="2425318" y="1825625"/>
-            <a:ext cx="7341363" cy="4351338"/>
-          </a:xfrm>
-        </p:spPr>
-      </p:pic>
+        </p:nvSpPr>
+        <p:spPr/>
+        <p:txBody>
+          <a:bodyPr/>
+          <a:lstStyle/>
+          <a:p>
+            <a:r>
+              <a:rPr lang="ru-RU" dirty="0"/>
+              <a:t>Составляются преподавателями</a:t>
+            </a:r>
+          </a:p>
+          <a:p>
+            <a:r>
+              <a:rPr lang="ru-RU" dirty="0"/>
+              <a:t>Изучаются/решаются студентами</a:t>
+            </a:r>
+          </a:p>
+          <a:p>
+            <a:r>
+              <a:rPr lang="ru-RU" dirty="0"/>
+              <a:t>Отображаются с помощью приложений клиентской стороны</a:t>
+            </a:r>
+          </a:p>
+        </p:txBody>
+      </p:sp>
+      <p:sp>
+        <p:nvSpPr>
+          <p:cNvPr id="4" name="Номер слайда 3">
+            <a:extLst>
+              <a:ext uri="{FF2B5EF4-FFF2-40B4-BE49-F238E27FC236}">
+                <a16:creationId xmlns:a16="http://schemas.microsoft.com/office/drawing/2014/main" id="{5C117AFE-3668-4E2D-B1A2-9DA8AE2D0AC1}"/>
+              </a:ext>
+            </a:extLst>
+          </p:cNvPr>
+          <p:cNvSpPr>
+            <a:spLocks noGrp="1"/>
+          </p:cNvSpPr>
+          <p:nvPr>
+            <p:ph type="sldNum" sz="quarter" idx="12"/>
+          </p:nvPr>
+        </p:nvSpPr>
+        <p:spPr/>
+        <p:txBody>
+          <a:bodyPr/>
+          <a:lstStyle/>
+          <a:p>
+            <a:fld id="{A1F72AFE-90A1-4C6E-9381-5E055E541279}" type="slidenum">
+              <a:rPr lang="ru-RU" smtClean="0"/>
+              <a:t>6</a:t>
+            </a:fld>
+            <a:endParaRPr lang="ru-RU"/>
+          </a:p>
+        </p:txBody>
+      </p:sp>
     </p:spTree>
     <p:extLst>
       <p:ext uri="{BB962C8B-B14F-4D97-AF65-F5344CB8AC3E}">
-        <p14:creationId xmlns:p14="http://schemas.microsoft.com/office/powerpoint/2010/main" val="570039056"/>
+        <p14:creationId xmlns:p14="http://schemas.microsoft.com/office/powerpoint/2010/main" val="3230715197"/>
       </p:ext>
     </p:extLst>
   </p:cSld>
@@ -3956,7 +5435,7 @@
           <p:cNvPr id="2" name="Заголовок 1">
             <a:extLst>
               <a:ext uri="{FF2B5EF4-FFF2-40B4-BE49-F238E27FC236}">
-                <a16:creationId xmlns:a16="http://schemas.microsoft.com/office/drawing/2014/main" id="{CEC68BF5-FD36-4209-8088-E474C5E29E9A}"/>
+                <a16:creationId xmlns:a16="http://schemas.microsoft.com/office/drawing/2014/main" id="{AD9B48CB-2CEE-4E2E-82A3-1789E98BF3F0}"/>
               </a:ext>
             </a:extLst>
           </p:cNvPr>
@@ -3974,50 +5453,123 @@
           <a:p>
             <a:r>
               <a:rPr lang="ru-RU" dirty="0"/>
-              <a:t>Задачи по математике</a:t>
-            </a:r>
-          </a:p>
-        </p:txBody>
-      </p:sp>
-      <p:pic>
-        <p:nvPicPr>
-          <p:cNvPr id="5" name="Объект 4">
-            <a:extLst>
-              <a:ext uri="{FF2B5EF4-FFF2-40B4-BE49-F238E27FC236}">
-                <a16:creationId xmlns:a16="http://schemas.microsoft.com/office/drawing/2014/main" id="{6C4A5577-C3C2-46CE-AFC9-2137ABA9F315}"/>
-              </a:ext>
-            </a:extLst>
-          </p:cNvPr>
-          <p:cNvPicPr>
-            <a:picLocks noGrp="1" noChangeAspect="1"/>
-          </p:cNvPicPr>
+              <a:t>Концепция: приложения</a:t>
+            </a:r>
+          </a:p>
+        </p:txBody>
+      </p:sp>
+      <p:sp>
+        <p:nvSpPr>
+          <p:cNvPr id="3" name="Объект 2">
+            <a:extLst>
+              <a:ext uri="{FF2B5EF4-FFF2-40B4-BE49-F238E27FC236}">
+                <a16:creationId xmlns:a16="http://schemas.microsoft.com/office/drawing/2014/main" id="{6D7E4B50-9A4D-4D61-A389-674D318970E8}"/>
+              </a:ext>
+            </a:extLst>
+          </p:cNvPr>
+          <p:cNvSpPr>
+            <a:spLocks noGrp="1"/>
+          </p:cNvSpPr>
           <p:nvPr>
             <p:ph idx="1"/>
           </p:nvPr>
-        </p:nvPicPr>
-        <p:blipFill>
-          <a:blip r:embed="rId2">
-            <a:extLst>
-              <a:ext uri="{28A0092B-C50C-407E-A947-70E740481C1C}">
-                <a14:useLocalDpi xmlns:a14="http://schemas.microsoft.com/office/drawing/2010/main" val="0"/>
-              </a:ext>
-            </a:extLst>
-          </a:blip>
-          <a:stretch>
-            <a:fillRect/>
-          </a:stretch>
-        </p:blipFill>
-        <p:spPr>
-          <a:xfrm>
-            <a:off x="1751658" y="1825625"/>
-            <a:ext cx="8688684" cy="4351338"/>
-          </a:xfrm>
-        </p:spPr>
-      </p:pic>
+        </p:nvSpPr>
+        <p:spPr/>
+        <p:txBody>
+          <a:bodyPr/>
+          <a:lstStyle/>
+          <a:p>
+            <a:r>
+              <a:rPr lang="ru-RU" dirty="0"/>
+              <a:t>Создаются разработчиками</a:t>
+            </a:r>
+          </a:p>
+          <a:p>
+            <a:r>
+              <a:rPr lang="ru-RU" dirty="0"/>
+              <a:t>Могут объединяться в системы приложений</a:t>
+            </a:r>
+          </a:p>
+          <a:p>
+            <a:r>
+              <a:rPr lang="ru-RU" dirty="0"/>
+              <a:t>Приложения на стороне клиента</a:t>
+            </a:r>
+          </a:p>
+          <a:p>
+            <a:pPr lvl="1"/>
+            <a:r>
+              <a:rPr lang="en-US" dirty="0"/>
+              <a:t>HTML + CSS + JavaScript</a:t>
+            </a:r>
+            <a:endParaRPr lang="ru-RU" dirty="0"/>
+          </a:p>
+          <a:p>
+            <a:pPr lvl="1"/>
+            <a:r>
+              <a:rPr lang="ru-RU" dirty="0"/>
+              <a:t>Необходимы для взаимодействия пользователей и систем приложений</a:t>
+            </a:r>
+          </a:p>
+          <a:p>
+            <a:r>
+              <a:rPr lang="ru-RU" dirty="0"/>
+              <a:t>Приложения на стороне сервера</a:t>
+            </a:r>
+          </a:p>
+          <a:p>
+            <a:pPr lvl="1"/>
+            <a:r>
+              <a:rPr lang="en-US" dirty="0"/>
+              <a:t>C++, Python, Java </a:t>
+            </a:r>
+            <a:r>
+              <a:rPr lang="ru-RU" dirty="0"/>
+              <a:t>и др.</a:t>
+            </a:r>
+          </a:p>
+          <a:p>
+            <a:pPr lvl="1"/>
+            <a:r>
+              <a:rPr lang="ru-RU" dirty="0"/>
+              <a:t>Осуществляют обработку каких-либо данных других приложений</a:t>
+            </a:r>
+          </a:p>
+        </p:txBody>
+      </p:sp>
+      <p:sp>
+        <p:nvSpPr>
+          <p:cNvPr id="4" name="Номер слайда 3">
+            <a:extLst>
+              <a:ext uri="{FF2B5EF4-FFF2-40B4-BE49-F238E27FC236}">
+                <a16:creationId xmlns:a16="http://schemas.microsoft.com/office/drawing/2014/main" id="{C12E00FB-566A-414F-BBA9-0D096154DB91}"/>
+              </a:ext>
+            </a:extLst>
+          </p:cNvPr>
+          <p:cNvSpPr>
+            <a:spLocks noGrp="1"/>
+          </p:cNvSpPr>
+          <p:nvPr>
+            <p:ph type="sldNum" sz="quarter" idx="12"/>
+          </p:nvPr>
+        </p:nvSpPr>
+        <p:spPr/>
+        <p:txBody>
+          <a:bodyPr/>
+          <a:lstStyle/>
+          <a:p>
+            <a:fld id="{A1F72AFE-90A1-4C6E-9381-5E055E541279}" type="slidenum">
+              <a:rPr lang="ru-RU" smtClean="0"/>
+              <a:t>7</a:t>
+            </a:fld>
+            <a:endParaRPr lang="ru-RU"/>
+          </a:p>
+        </p:txBody>
+      </p:sp>
     </p:spTree>
     <p:extLst>
       <p:ext uri="{BB962C8B-B14F-4D97-AF65-F5344CB8AC3E}">
-        <p14:creationId xmlns:p14="http://schemas.microsoft.com/office/powerpoint/2010/main" val="1643139071"/>
+        <p14:creationId xmlns:p14="http://schemas.microsoft.com/office/powerpoint/2010/main" val="3837321341"/>
       </p:ext>
     </p:extLst>
   </p:cSld>
@@ -4049,7 +5601,7 @@
           <p:cNvPr id="2" name="Заголовок 1">
             <a:extLst>
               <a:ext uri="{FF2B5EF4-FFF2-40B4-BE49-F238E27FC236}">
-                <a16:creationId xmlns:a16="http://schemas.microsoft.com/office/drawing/2014/main" id="{FB9F5583-FC48-4074-A092-2500A48706B1}"/>
+                <a16:creationId xmlns:a16="http://schemas.microsoft.com/office/drawing/2014/main" id="{2E3A8A77-92CB-49D3-82BC-5879DECD7F84}"/>
               </a:ext>
             </a:extLst>
           </p:cNvPr>
@@ -4067,50 +5619,72 @@
           <a:p>
             <a:r>
               <a:rPr lang="ru-RU" dirty="0"/>
-              <a:t>Эссе по литературе</a:t>
-            </a:r>
-          </a:p>
-        </p:txBody>
-      </p:sp>
-      <p:pic>
-        <p:nvPicPr>
-          <p:cNvPr id="5" name="Объект 4">
-            <a:extLst>
-              <a:ext uri="{FF2B5EF4-FFF2-40B4-BE49-F238E27FC236}">
-                <a16:creationId xmlns:a16="http://schemas.microsoft.com/office/drawing/2014/main" id="{5FA965EC-0510-44C5-B826-524C50DAAEE0}"/>
-              </a:ext>
-            </a:extLst>
-          </p:cNvPr>
-          <p:cNvPicPr>
-            <a:picLocks noGrp="1" noChangeAspect="1"/>
-          </p:cNvPicPr>
+              <a:t>Концепция: системы контроля версий</a:t>
+            </a:r>
+          </a:p>
+        </p:txBody>
+      </p:sp>
+      <p:sp>
+        <p:nvSpPr>
+          <p:cNvPr id="3" name="Объект 2">
+            <a:extLst>
+              <a:ext uri="{FF2B5EF4-FFF2-40B4-BE49-F238E27FC236}">
+                <a16:creationId xmlns:a16="http://schemas.microsoft.com/office/drawing/2014/main" id="{1220B207-0940-4DF5-8FBA-6D5C6ABA59EE}"/>
+              </a:ext>
+            </a:extLst>
+          </p:cNvPr>
+          <p:cNvSpPr>
+            <a:spLocks noGrp="1"/>
+          </p:cNvSpPr>
           <p:nvPr>
             <p:ph idx="1"/>
           </p:nvPr>
-        </p:nvPicPr>
-        <p:blipFill>
-          <a:blip r:embed="rId2">
-            <a:extLst>
-              <a:ext uri="{28A0092B-C50C-407E-A947-70E740481C1C}">
-                <a14:useLocalDpi xmlns:a14="http://schemas.microsoft.com/office/drawing/2010/main" val="0"/>
-              </a:ext>
-            </a:extLst>
-          </a:blip>
-          <a:stretch>
-            <a:fillRect/>
-          </a:stretch>
-        </p:blipFill>
-        <p:spPr>
-          <a:xfrm>
-            <a:off x="1744662" y="1825625"/>
-            <a:ext cx="8702676" cy="4351338"/>
-          </a:xfrm>
-        </p:spPr>
-      </p:pic>
+        </p:nvSpPr>
+        <p:spPr/>
+        <p:txBody>
+          <a:bodyPr/>
+          <a:lstStyle/>
+          <a:p>
+            <a:r>
+              <a:rPr lang="ru-RU" dirty="0"/>
+              <a:t>Упрощают процесс разработки материалов и приложений</a:t>
+            </a:r>
+          </a:p>
+        </p:txBody>
+      </p:sp>
+      <p:sp>
+        <p:nvSpPr>
+          <p:cNvPr id="4" name="Номер слайда 3">
+            <a:extLst>
+              <a:ext uri="{FF2B5EF4-FFF2-40B4-BE49-F238E27FC236}">
+                <a16:creationId xmlns:a16="http://schemas.microsoft.com/office/drawing/2014/main" id="{A1840F91-DA5C-4DC3-A04F-4FC841ECF299}"/>
+              </a:ext>
+            </a:extLst>
+          </p:cNvPr>
+          <p:cNvSpPr>
+            <a:spLocks noGrp="1"/>
+          </p:cNvSpPr>
+          <p:nvPr>
+            <p:ph type="sldNum" sz="quarter" idx="12"/>
+          </p:nvPr>
+        </p:nvSpPr>
+        <p:spPr/>
+        <p:txBody>
+          <a:bodyPr/>
+          <a:lstStyle/>
+          <a:p>
+            <a:fld id="{A1F72AFE-90A1-4C6E-9381-5E055E541279}" type="slidenum">
+              <a:rPr lang="ru-RU" smtClean="0"/>
+              <a:t>8</a:t>
+            </a:fld>
+            <a:endParaRPr lang="ru-RU"/>
+          </a:p>
+        </p:txBody>
+      </p:sp>
     </p:spTree>
     <p:extLst>
       <p:ext uri="{BB962C8B-B14F-4D97-AF65-F5344CB8AC3E}">
-        <p14:creationId xmlns:p14="http://schemas.microsoft.com/office/powerpoint/2010/main" val="4060811891"/>
+        <p14:creationId xmlns:p14="http://schemas.microsoft.com/office/powerpoint/2010/main" val="3175874247"/>
       </p:ext>
     </p:extLst>
   </p:cSld>
@@ -4142,33 +5716,95 @@
           <p:cNvPr id="2" name="Заголовок 1">
             <a:extLst>
               <a:ext uri="{FF2B5EF4-FFF2-40B4-BE49-F238E27FC236}">
-                <a16:creationId xmlns:a16="http://schemas.microsoft.com/office/drawing/2014/main" id="{6405C1FD-98C1-4C20-AF31-A1A325E40D38}"/>
-              </a:ext>
-            </a:extLst>
-          </p:cNvPr>
-          <p:cNvSpPr>
-            <a:spLocks noGrp="1"/>
-          </p:cNvSpPr>
-          <p:nvPr>
-            <p:ph type="ctrTitle"/>
-          </p:nvPr>
-        </p:nvSpPr>
-        <p:spPr/>
+                <a16:creationId xmlns:a16="http://schemas.microsoft.com/office/drawing/2014/main" id="{734DAF5E-025E-4782-8D8E-C091898DF231}"/>
+              </a:ext>
+            </a:extLst>
+          </p:cNvPr>
+          <p:cNvSpPr>
+            <a:spLocks noGrp="1"/>
+          </p:cNvSpPr>
+          <p:nvPr>
+            <p:ph type="title"/>
+          </p:nvPr>
+        </p:nvSpPr>
+        <p:spPr>
+          <a:xfrm>
+            <a:off x="838200" y="365125"/>
+            <a:ext cx="10515600" cy="1325563"/>
+          </a:xfrm>
+        </p:spPr>
         <p:txBody>
           <a:bodyPr/>
           <a:lstStyle/>
           <a:p>
             <a:r>
               <a:rPr lang="ru-RU" dirty="0"/>
-              <a:t>Спасибо за внимание!</a:t>
-            </a:r>
+              <a:t>Концепция: серверное ПО</a:t>
+            </a:r>
+          </a:p>
+        </p:txBody>
+      </p:sp>
+      <p:sp>
+        <p:nvSpPr>
+          <p:cNvPr id="3" name="Объект 2">
+            <a:extLst>
+              <a:ext uri="{FF2B5EF4-FFF2-40B4-BE49-F238E27FC236}">
+                <a16:creationId xmlns:a16="http://schemas.microsoft.com/office/drawing/2014/main" id="{5C43B1B6-DF18-45C0-A262-4CD504140195}"/>
+              </a:ext>
+            </a:extLst>
+          </p:cNvPr>
+          <p:cNvSpPr>
+            <a:spLocks noGrp="1"/>
+          </p:cNvSpPr>
+          <p:nvPr>
+            <p:ph idx="1"/>
+          </p:nvPr>
+        </p:nvSpPr>
+        <p:spPr/>
+        <p:txBody>
+          <a:bodyPr/>
+          <a:lstStyle/>
+          <a:p>
+            <a:r>
+              <a:rPr lang="ru-RU" dirty="0"/>
+              <a:t>Обеспечивает взаимодействие различных приложений</a:t>
+            </a:r>
+          </a:p>
+        </p:txBody>
+      </p:sp>
+      <p:sp>
+        <p:nvSpPr>
+          <p:cNvPr id="4" name="Номер слайда 3">
+            <a:extLst>
+              <a:ext uri="{FF2B5EF4-FFF2-40B4-BE49-F238E27FC236}">
+                <a16:creationId xmlns:a16="http://schemas.microsoft.com/office/drawing/2014/main" id="{FD05D151-E915-4FDE-A02D-C1003175DE5B}"/>
+              </a:ext>
+            </a:extLst>
+          </p:cNvPr>
+          <p:cNvSpPr>
+            <a:spLocks noGrp="1"/>
+          </p:cNvSpPr>
+          <p:nvPr>
+            <p:ph type="sldNum" sz="quarter" idx="12"/>
+          </p:nvPr>
+        </p:nvSpPr>
+        <p:spPr/>
+        <p:txBody>
+          <a:bodyPr/>
+          <a:lstStyle/>
+          <a:p>
+            <a:fld id="{A1F72AFE-90A1-4C6E-9381-5E055E541279}" type="slidenum">
+              <a:rPr lang="ru-RU" smtClean="0"/>
+              <a:t>9</a:t>
+            </a:fld>
+            <a:endParaRPr lang="ru-RU"/>
           </a:p>
         </p:txBody>
       </p:sp>
     </p:spTree>
     <p:extLst>
       <p:ext uri="{BB962C8B-B14F-4D97-AF65-F5344CB8AC3E}">
-        <p14:creationId xmlns:p14="http://schemas.microsoft.com/office/powerpoint/2010/main" val="365837382"/>
+        <p14:creationId xmlns:p14="http://schemas.microsoft.com/office/powerpoint/2010/main" val="329904905"/>
       </p:ext>
     </p:extLst>
   </p:cSld>
@@ -4471,4 +6107,299 @@
     </a:ext>
   </a:extLst>
 </a:theme>
+</file>
+
+<file path=ppt/theme/theme2.xml><?xml version="1.0" encoding="utf-8"?>
+<a:theme xmlns:a="http://schemas.openxmlformats.org/drawingml/2006/main" name="Тема Office">
+  <a:themeElements>
+    <a:clrScheme name="Стандартная">
+      <a:dk1>
+        <a:sysClr val="windowText" lastClr="000000"/>
+      </a:dk1>
+      <a:lt1>
+        <a:sysClr val="window" lastClr="FFFFFF"/>
+      </a:lt1>
+      <a:dk2>
+        <a:srgbClr val="44546A"/>
+      </a:dk2>
+      <a:lt2>
+        <a:srgbClr val="E7E6E6"/>
+      </a:lt2>
+      <a:accent1>
+        <a:srgbClr val="4472C4"/>
+      </a:accent1>
+      <a:accent2>
+        <a:srgbClr val="ED7D31"/>
+      </a:accent2>
+      <a:accent3>
+        <a:srgbClr val="A5A5A5"/>
+      </a:accent3>
+      <a:accent4>
+        <a:srgbClr val="FFC000"/>
+      </a:accent4>
+      <a:accent5>
+        <a:srgbClr val="5B9BD5"/>
+      </a:accent5>
+      <a:accent6>
+        <a:srgbClr val="70AD47"/>
+      </a:accent6>
+      <a:hlink>
+        <a:srgbClr val="0563C1"/>
+      </a:hlink>
+      <a:folHlink>
+        <a:srgbClr val="954F72"/>
+      </a:folHlink>
+    </a:clrScheme>
+    <a:fontScheme name="Стандартная">
+      <a:majorFont>
+        <a:latin typeface="Calibri Light" panose="020F0302020204030204"/>
+        <a:ea typeface=""/>
+        <a:cs typeface=""/>
+        <a:font script="Jpan" typeface="游ゴシック Light"/>
+        <a:font script="Hang" typeface="맑은 고딕"/>
+        <a:font script="Hans" typeface="等线 Light"/>
+        <a:font script="Hant" typeface="新細明體"/>
+        <a:font script="Arab" typeface="Times New Roman"/>
+        <a:font script="Hebr" typeface="Times New Roman"/>
+        <a:font script="Thai" typeface="Angsana New"/>
+        <a:font script="Ethi" typeface="Nyala"/>
+        <a:font script="Beng" typeface="Vrinda"/>
+        <a:font script="Gujr" typeface="Shruti"/>
+        <a:font script="Khmr" typeface="MoolBoran"/>
+        <a:font script="Knda" typeface="Tunga"/>
+        <a:font script="Guru" typeface="Raavi"/>
+        <a:font script="Cans" typeface="Euphemia"/>
+        <a:font script="Cher" typeface="Plantagenet Cherokee"/>
+        <a:font script="Yiii" typeface="Microsoft Yi Baiti"/>
+        <a:font script="Tibt" typeface="Microsoft Himalaya"/>
+        <a:font script="Thaa" typeface="MV Boli"/>
+        <a:font script="Deva" typeface="Mangal"/>
+        <a:font script="Telu" typeface="Gautami"/>
+        <a:font script="Taml" typeface="Latha"/>
+        <a:font script="Syrc" typeface="Estrangelo Edessa"/>
+        <a:font script="Orya" typeface="Kalinga"/>
+        <a:font script="Mlym" typeface="Kartika"/>
+        <a:font script="Laoo" typeface="DokChampa"/>
+        <a:font script="Sinh" typeface="Iskoola Pota"/>
+        <a:font script="Mong" typeface="Mongolian Baiti"/>
+        <a:font script="Viet" typeface="Times New Roman"/>
+        <a:font script="Uigh" typeface="Microsoft Uighur"/>
+        <a:font script="Geor" typeface="Sylfaen"/>
+        <a:font script="Armn" typeface="Arial"/>
+        <a:font script="Bugi" typeface="Leelawadee UI"/>
+        <a:font script="Bopo" typeface="Microsoft JhengHei"/>
+        <a:font script="Java" typeface="Javanese Text"/>
+        <a:font script="Lisu" typeface="Segoe UI"/>
+        <a:font script="Mymr" typeface="Myanmar Text"/>
+        <a:font script="Nkoo" typeface="Ebrima"/>
+        <a:font script="Olck" typeface="Nirmala UI"/>
+        <a:font script="Osma" typeface="Ebrima"/>
+        <a:font script="Phag" typeface="Phagspa"/>
+        <a:font script="Syrn" typeface="Estrangelo Edessa"/>
+        <a:font script="Syrj" typeface="Estrangelo Edessa"/>
+        <a:font script="Syre" typeface="Estrangelo Edessa"/>
+        <a:font script="Sora" typeface="Nirmala UI"/>
+        <a:font script="Tale" typeface="Microsoft Tai Le"/>
+        <a:font script="Talu" typeface="Microsoft New Tai Lue"/>
+        <a:font script="Tfng" typeface="Ebrima"/>
+      </a:majorFont>
+      <a:minorFont>
+        <a:latin typeface="Calibri" panose="020F0502020204030204"/>
+        <a:ea typeface=""/>
+        <a:cs typeface=""/>
+        <a:font script="Jpan" typeface="游ゴシック"/>
+        <a:font script="Hang" typeface="맑은 고딕"/>
+        <a:font script="Hans" typeface="等线"/>
+        <a:font script="Hant" typeface="新細明體"/>
+        <a:font script="Arab" typeface="Arial"/>
+        <a:font script="Hebr" typeface="Arial"/>
+        <a:font script="Thai" typeface="Cordia New"/>
+        <a:font script="Ethi" typeface="Nyala"/>
+        <a:font script="Beng" typeface="Vrinda"/>
+        <a:font script="Gujr" typeface="Shruti"/>
+        <a:font script="Khmr" typeface="DaunPenh"/>
+        <a:font script="Knda" typeface="Tunga"/>
+        <a:font script="Guru" typeface="Raavi"/>
+        <a:font script="Cans" typeface="Euphemia"/>
+        <a:font script="Cher" typeface="Plantagenet Cherokee"/>
+        <a:font script="Yiii" typeface="Microsoft Yi Baiti"/>
+        <a:font script="Tibt" typeface="Microsoft Himalaya"/>
+        <a:font script="Thaa" typeface="MV Boli"/>
+        <a:font script="Deva" typeface="Mangal"/>
+        <a:font script="Telu" typeface="Gautami"/>
+        <a:font script="Taml" typeface="Latha"/>
+        <a:font script="Syrc" typeface="Estrangelo Edessa"/>
+        <a:font script="Orya" typeface="Kalinga"/>
+        <a:font script="Mlym" typeface="Kartika"/>
+        <a:font script="Laoo" typeface="DokChampa"/>
+        <a:font script="Sinh" typeface="Iskoola Pota"/>
+        <a:font script="Mong" typeface="Mongolian Baiti"/>
+        <a:font script="Viet" typeface="Arial"/>
+        <a:font script="Uigh" typeface="Microsoft Uighur"/>
+        <a:font script="Geor" typeface="Sylfaen"/>
+        <a:font script="Armn" typeface="Arial"/>
+        <a:font script="Bugi" typeface="Leelawadee UI"/>
+        <a:font script="Bopo" typeface="Microsoft JhengHei"/>
+        <a:font script="Java" typeface="Javanese Text"/>
+        <a:font script="Lisu" typeface="Segoe UI"/>
+        <a:font script="Mymr" typeface="Myanmar Text"/>
+        <a:font script="Nkoo" typeface="Ebrima"/>
+        <a:font script="Olck" typeface="Nirmala UI"/>
+        <a:font script="Osma" typeface="Ebrima"/>
+        <a:font script="Phag" typeface="Phagspa"/>
+        <a:font script="Syrn" typeface="Estrangelo Edessa"/>
+        <a:font script="Syrj" typeface="Estrangelo Edessa"/>
+        <a:font script="Syre" typeface="Estrangelo Edessa"/>
+        <a:font script="Sora" typeface="Nirmala UI"/>
+        <a:font script="Tale" typeface="Microsoft Tai Le"/>
+        <a:font script="Talu" typeface="Microsoft New Tai Lue"/>
+        <a:font script="Tfng" typeface="Ebrima"/>
+      </a:minorFont>
+    </a:fontScheme>
+    <a:fmtScheme name="Стандартная">
+      <a:fillStyleLst>
+        <a:solidFill>
+          <a:schemeClr val="phClr"/>
+        </a:solidFill>
+        <a:gradFill rotWithShape="1">
+          <a:gsLst>
+            <a:gs pos="0">
+              <a:schemeClr val="phClr">
+                <a:lumMod val="110000"/>
+                <a:satMod val="105000"/>
+                <a:tint val="67000"/>
+              </a:schemeClr>
+            </a:gs>
+            <a:gs pos="50000">
+              <a:schemeClr val="phClr">
+                <a:lumMod val="105000"/>
+                <a:satMod val="103000"/>
+                <a:tint val="73000"/>
+              </a:schemeClr>
+            </a:gs>
+            <a:gs pos="100000">
+              <a:schemeClr val="phClr">
+                <a:lumMod val="105000"/>
+                <a:satMod val="109000"/>
+                <a:tint val="81000"/>
+              </a:schemeClr>
+            </a:gs>
+          </a:gsLst>
+          <a:lin ang="5400000" scaled="0"/>
+        </a:gradFill>
+        <a:gradFill rotWithShape="1">
+          <a:gsLst>
+            <a:gs pos="0">
+              <a:schemeClr val="phClr">
+                <a:satMod val="103000"/>
+                <a:lumMod val="102000"/>
+                <a:tint val="94000"/>
+              </a:schemeClr>
+            </a:gs>
+            <a:gs pos="50000">
+              <a:schemeClr val="phClr">
+                <a:satMod val="110000"/>
+                <a:lumMod val="100000"/>
+                <a:shade val="100000"/>
+              </a:schemeClr>
+            </a:gs>
+            <a:gs pos="100000">
+              <a:schemeClr val="phClr">
+                <a:lumMod val="99000"/>
+                <a:satMod val="120000"/>
+                <a:shade val="78000"/>
+              </a:schemeClr>
+            </a:gs>
+          </a:gsLst>
+          <a:lin ang="5400000" scaled="0"/>
+        </a:gradFill>
+      </a:fillStyleLst>
+      <a:lnStyleLst>
+        <a:ln w="6350" cap="flat" cmpd="sng" algn="ctr">
+          <a:solidFill>
+            <a:schemeClr val="phClr"/>
+          </a:solidFill>
+          <a:prstDash val="solid"/>
+          <a:miter lim="800000"/>
+        </a:ln>
+        <a:ln w="12700" cap="flat" cmpd="sng" algn="ctr">
+          <a:solidFill>
+            <a:schemeClr val="phClr"/>
+          </a:solidFill>
+          <a:prstDash val="solid"/>
+          <a:miter lim="800000"/>
+        </a:ln>
+        <a:ln w="19050" cap="flat" cmpd="sng" algn="ctr">
+          <a:solidFill>
+            <a:schemeClr val="phClr"/>
+          </a:solidFill>
+          <a:prstDash val="solid"/>
+          <a:miter lim="800000"/>
+        </a:ln>
+      </a:lnStyleLst>
+      <a:effectStyleLst>
+        <a:effectStyle>
+          <a:effectLst/>
+        </a:effectStyle>
+        <a:effectStyle>
+          <a:effectLst/>
+        </a:effectStyle>
+        <a:effectStyle>
+          <a:effectLst>
+            <a:outerShdw blurRad="57150" dist="19050" dir="5400000" algn="ctr" rotWithShape="0">
+              <a:srgbClr val="000000">
+                <a:alpha val="63000"/>
+              </a:srgbClr>
+            </a:outerShdw>
+          </a:effectLst>
+        </a:effectStyle>
+      </a:effectStyleLst>
+      <a:bgFillStyleLst>
+        <a:solidFill>
+          <a:schemeClr val="phClr"/>
+        </a:solidFill>
+        <a:solidFill>
+          <a:schemeClr val="phClr">
+            <a:tint val="95000"/>
+            <a:satMod val="170000"/>
+          </a:schemeClr>
+        </a:solidFill>
+        <a:gradFill rotWithShape="1">
+          <a:gsLst>
+            <a:gs pos="0">
+              <a:schemeClr val="phClr">
+                <a:tint val="93000"/>
+                <a:satMod val="150000"/>
+                <a:shade val="98000"/>
+                <a:lumMod val="102000"/>
+              </a:schemeClr>
+            </a:gs>
+            <a:gs pos="50000">
+              <a:schemeClr val="phClr">
+                <a:tint val="98000"/>
+                <a:satMod val="130000"/>
+                <a:shade val="90000"/>
+                <a:lumMod val="103000"/>
+              </a:schemeClr>
+            </a:gs>
+            <a:gs pos="100000">
+              <a:schemeClr val="phClr">
+                <a:shade val="63000"/>
+                <a:satMod val="120000"/>
+              </a:schemeClr>
+            </a:gs>
+          </a:gsLst>
+          <a:lin ang="5400000" scaled="0"/>
+        </a:gradFill>
+      </a:bgFillStyleLst>
+    </a:fmtScheme>
+  </a:themeElements>
+  <a:objectDefaults/>
+  <a:extraClrSchemeLst/>
+  <a:extLst>
+    <a:ext uri="{05A4C25C-085E-4340-85A3-A5531E510DB2}">
+      <thm15:themeFamily xmlns:thm15="http://schemas.microsoft.com/office/thememl/2012/main" name="Office Theme" id="{62F939B6-93AF-4DB8-9C6B-D6C7DFDC589F}" vid="{4A3C46E8-61CC-4603-A589-7422A47A8E4A}"/>
+    </a:ext>
+  </a:extLst>
+</a:theme>
 </file>
--- a/Конференции/Международная научно-практическая конференция -Электронные средства и системы управления-/Выступление/Презентация.pptx
+++ b/Конференции/Международная научно-практическая конференция -Электронные средства и системы управления-/Выступление/Презентация.pptx
@@ -5,26 +5,23 @@
     <p:sldMasterId id="2147483648" r:id="rId1"/>
   </p:sldMasterIdLst>
   <p:notesMasterIdLst>
-    <p:notesMasterId r:id="rId19"/>
+    <p:notesMasterId r:id="rId16"/>
   </p:notesMasterIdLst>
   <p:sldIdLst>
     <p:sldId id="256" r:id="rId2"/>
     <p:sldId id="257" r:id="rId3"/>
     <p:sldId id="266" r:id="rId4"/>
     <p:sldId id="267" r:id="rId5"/>
-    <p:sldId id="268" r:id="rId6"/>
-    <p:sldId id="270" r:id="rId7"/>
-    <p:sldId id="269" r:id="rId8"/>
-    <p:sldId id="271" r:id="rId9"/>
-    <p:sldId id="272" r:id="rId10"/>
-    <p:sldId id="258" r:id="rId11"/>
-    <p:sldId id="261" r:id="rId12"/>
-    <p:sldId id="260" r:id="rId13"/>
-    <p:sldId id="262" r:id="rId14"/>
-    <p:sldId id="263" r:id="rId15"/>
-    <p:sldId id="264" r:id="rId16"/>
-    <p:sldId id="273" r:id="rId17"/>
-    <p:sldId id="265" r:id="rId18"/>
+    <p:sldId id="270" r:id="rId6"/>
+    <p:sldId id="269" r:id="rId7"/>
+    <p:sldId id="258" r:id="rId8"/>
+    <p:sldId id="261" r:id="rId9"/>
+    <p:sldId id="260" r:id="rId10"/>
+    <p:sldId id="262" r:id="rId11"/>
+    <p:sldId id="263" r:id="rId12"/>
+    <p:sldId id="264" r:id="rId13"/>
+    <p:sldId id="273" r:id="rId14"/>
+    <p:sldId id="265" r:id="rId15"/>
   </p:sldIdLst>
   <p:sldSz cx="12192000" cy="6858000"/>
   <p:notesSz cx="6858000" cy="9144000"/>
@@ -3837,7 +3834,7 @@
           <p:cNvPr id="2" name="Заголовок 1">
             <a:extLst>
               <a:ext uri="{FF2B5EF4-FFF2-40B4-BE49-F238E27FC236}">
-                <a16:creationId xmlns:a16="http://schemas.microsoft.com/office/drawing/2014/main" id="{78095C5F-66F4-4998-9DD9-523FE97FE43B}"/>
+                <a16:creationId xmlns:a16="http://schemas.microsoft.com/office/drawing/2014/main" id="{E78C212D-F11B-4AD3-AF0B-0B147A8C414B}"/>
               </a:ext>
             </a:extLst>
           </p:cNvPr>
@@ -3855,72 +3852,52 @@
           <a:p>
             <a:r>
               <a:rPr lang="ru-RU" dirty="0"/>
-              <a:t>Приложения: примеры</a:t>
-            </a:r>
-          </a:p>
-        </p:txBody>
-      </p:sp>
-      <p:sp>
-        <p:nvSpPr>
-          <p:cNvPr id="3" name="Объект 2">
-            <a:extLst>
-              <a:ext uri="{FF2B5EF4-FFF2-40B4-BE49-F238E27FC236}">
-                <a16:creationId xmlns:a16="http://schemas.microsoft.com/office/drawing/2014/main" id="{465F0FBB-5305-482E-8332-371F0BFBE924}"/>
-              </a:ext>
-            </a:extLst>
-          </p:cNvPr>
-          <p:cNvSpPr>
-            <a:spLocks noGrp="1"/>
-          </p:cNvSpPr>
+              <a:t>Приложения: задача спортивного программирования</a:t>
+            </a:r>
+          </a:p>
+        </p:txBody>
+      </p:sp>
+      <p:pic>
+        <p:nvPicPr>
+          <p:cNvPr id="5" name="Объект 4">
+            <a:extLst>
+              <a:ext uri="{FF2B5EF4-FFF2-40B4-BE49-F238E27FC236}">
+                <a16:creationId xmlns:a16="http://schemas.microsoft.com/office/drawing/2014/main" id="{70533FA7-1E01-4A53-9869-9D59E237315D}"/>
+              </a:ext>
+            </a:extLst>
+          </p:cNvPr>
+          <p:cNvPicPr>
+            <a:picLocks noGrp="1" noChangeAspect="1"/>
+          </p:cNvPicPr>
           <p:nvPr>
             <p:ph idx="1"/>
           </p:nvPr>
-        </p:nvSpPr>
-        <p:spPr/>
-        <p:txBody>
-          <a:bodyPr/>
-          <a:lstStyle/>
-          <a:p>
-            <a:r>
-              <a:rPr lang="ru-RU" dirty="0"/>
-              <a:t>Компиляторы/интерпретаторы</a:t>
-            </a:r>
-          </a:p>
-          <a:p>
-            <a:r>
-              <a:rPr lang="ru-RU" dirty="0"/>
-              <a:t>Программа для проверки программы студента на тестах</a:t>
-            </a:r>
-          </a:p>
-          <a:p>
-            <a:r>
-              <a:rPr lang="ru-RU" dirty="0"/>
-              <a:t>Программа для проверки результатов тестирования студента</a:t>
-            </a:r>
-          </a:p>
-          <a:p>
-            <a:r>
-              <a:rPr lang="ru-RU" dirty="0"/>
-              <a:t>Скрипты для отображения интерактивного лекционного материала на странице</a:t>
-            </a:r>
-          </a:p>
-          <a:p>
-            <a:r>
-              <a:rPr lang="ru-RU" dirty="0"/>
-              <a:t>Нейросеть для распознавания рукописного текста</a:t>
-            </a:r>
-          </a:p>
-          <a:p>
-            <a:endParaRPr lang="ru-RU" dirty="0"/>
-          </a:p>
-        </p:txBody>
-      </p:sp>
-      <p:sp>
-        <p:nvSpPr>
-          <p:cNvPr id="4" name="Номер слайда 3">
-            <a:extLst>
-              <a:ext uri="{FF2B5EF4-FFF2-40B4-BE49-F238E27FC236}">
-                <a16:creationId xmlns:a16="http://schemas.microsoft.com/office/drawing/2014/main" id="{36DF5F19-049E-4EFA-909C-B79E8E23251D}"/>
+        </p:nvPicPr>
+        <p:blipFill>
+          <a:blip r:embed="rId2">
+            <a:extLst>
+              <a:ext uri="{28A0092B-C50C-407E-A947-70E740481C1C}">
+                <a14:useLocalDpi xmlns:a14="http://schemas.microsoft.com/office/drawing/2010/main" val="0"/>
+              </a:ext>
+            </a:extLst>
+          </a:blip>
+          <a:stretch>
+            <a:fillRect/>
+          </a:stretch>
+        </p:blipFill>
+        <p:spPr>
+          <a:xfrm>
+            <a:off x="2425318" y="1825625"/>
+            <a:ext cx="7341363" cy="4351338"/>
+          </a:xfrm>
+        </p:spPr>
+      </p:pic>
+      <p:sp>
+        <p:nvSpPr>
+          <p:cNvPr id="3" name="Номер слайда 2">
+            <a:extLst>
+              <a:ext uri="{FF2B5EF4-FFF2-40B4-BE49-F238E27FC236}">
+                <a16:creationId xmlns:a16="http://schemas.microsoft.com/office/drawing/2014/main" id="{0E20E273-9BEE-4433-99D3-19F64A72522E}"/>
               </a:ext>
             </a:extLst>
           </p:cNvPr>
@@ -3947,7 +3924,7 @@
     </p:spTree>
     <p:extLst>
       <p:ext uri="{BB962C8B-B14F-4D97-AF65-F5344CB8AC3E}">
-        <p14:creationId xmlns:p14="http://schemas.microsoft.com/office/powerpoint/2010/main" val="3698127324"/>
+        <p14:creationId xmlns:p14="http://schemas.microsoft.com/office/powerpoint/2010/main" val="570039056"/>
       </p:ext>
     </p:extLst>
   </p:cSld>
@@ -3979,7 +3956,7 @@
           <p:cNvPr id="2" name="Заголовок 1">
             <a:extLst>
               <a:ext uri="{FF2B5EF4-FFF2-40B4-BE49-F238E27FC236}">
-                <a16:creationId xmlns:a16="http://schemas.microsoft.com/office/drawing/2014/main" id="{D36FCF8B-CE60-457C-B15E-89F89D5C9851}"/>
+                <a16:creationId xmlns:a16="http://schemas.microsoft.com/office/drawing/2014/main" id="{CEC68BF5-FD36-4209-8088-E474C5E29E9A}"/>
               </a:ext>
             </a:extLst>
           </p:cNvPr>
@@ -3997,7 +3974,7 @@
           <a:p>
             <a:r>
               <a:rPr lang="ru-RU" dirty="0"/>
-              <a:t>Приложения: лекционный материал</a:t>
+              <a:t>Приложения: задачи по математике</a:t>
             </a:r>
           </a:p>
         </p:txBody>
@@ -4007,7 +3984,7 @@
           <p:cNvPr id="5" name="Объект 4">
             <a:extLst>
               <a:ext uri="{FF2B5EF4-FFF2-40B4-BE49-F238E27FC236}">
-                <a16:creationId xmlns:a16="http://schemas.microsoft.com/office/drawing/2014/main" id="{EDA46CE1-4725-4A5B-BC98-7B9C0B88E1FB}"/>
+                <a16:creationId xmlns:a16="http://schemas.microsoft.com/office/drawing/2014/main" id="{6C4A5577-C3C2-46CE-AFC9-2137ABA9F315}"/>
               </a:ext>
             </a:extLst>
           </p:cNvPr>
@@ -4032,8 +4009,8 @@
         </p:blipFill>
         <p:spPr>
           <a:xfrm>
-            <a:off x="2006340" y="1825625"/>
-            <a:ext cx="8179319" cy="4351338"/>
+            <a:off x="1751658" y="1825625"/>
+            <a:ext cx="8688684" cy="4351338"/>
           </a:xfrm>
         </p:spPr>
       </p:pic>
@@ -4042,7 +4019,7 @@
           <p:cNvPr id="3" name="Номер слайда 2">
             <a:extLst>
               <a:ext uri="{FF2B5EF4-FFF2-40B4-BE49-F238E27FC236}">
-                <a16:creationId xmlns:a16="http://schemas.microsoft.com/office/drawing/2014/main" id="{651FBD9B-AC86-40F5-A949-E273AC4D661F}"/>
+                <a16:creationId xmlns:a16="http://schemas.microsoft.com/office/drawing/2014/main" id="{B5F58339-4237-4E79-854E-8A3724475712}"/>
               </a:ext>
             </a:extLst>
           </p:cNvPr>
@@ -4069,7 +4046,7 @@
     </p:spTree>
     <p:extLst>
       <p:ext uri="{BB962C8B-B14F-4D97-AF65-F5344CB8AC3E}">
-        <p14:creationId xmlns:p14="http://schemas.microsoft.com/office/powerpoint/2010/main" val="509883585"/>
+        <p14:creationId xmlns:p14="http://schemas.microsoft.com/office/powerpoint/2010/main" val="1643139071"/>
       </p:ext>
     </p:extLst>
   </p:cSld>
@@ -4101,7 +4078,7 @@
           <p:cNvPr id="2" name="Заголовок 1">
             <a:extLst>
               <a:ext uri="{FF2B5EF4-FFF2-40B4-BE49-F238E27FC236}">
-                <a16:creationId xmlns:a16="http://schemas.microsoft.com/office/drawing/2014/main" id="{22E8955B-B82F-4B78-98BF-054D1C4DBDC5}"/>
+                <a16:creationId xmlns:a16="http://schemas.microsoft.com/office/drawing/2014/main" id="{FB9F5583-FC48-4074-A092-2500A48706B1}"/>
               </a:ext>
             </a:extLst>
           </p:cNvPr>
@@ -4119,7 +4096,7 @@
           <a:p>
             <a:r>
               <a:rPr lang="ru-RU" dirty="0"/>
-              <a:t>Приложения: тест</a:t>
+              <a:t>Приложения: эссе по литературе</a:t>
             </a:r>
           </a:p>
         </p:txBody>
@@ -4129,7 +4106,7 @@
           <p:cNvPr id="5" name="Объект 4">
             <a:extLst>
               <a:ext uri="{FF2B5EF4-FFF2-40B4-BE49-F238E27FC236}">
-                <a16:creationId xmlns:a16="http://schemas.microsoft.com/office/drawing/2014/main" id="{B75A7BE2-A7C0-4B30-9BD1-E99A5B603FEF}"/>
+                <a16:creationId xmlns:a16="http://schemas.microsoft.com/office/drawing/2014/main" id="{5FA965EC-0510-44C5-B826-524C50DAAEE0}"/>
               </a:ext>
             </a:extLst>
           </p:cNvPr>
@@ -4154,8 +4131,8 @@
         </p:blipFill>
         <p:spPr>
           <a:xfrm>
-            <a:off x="2286772" y="1825625"/>
-            <a:ext cx="7618455" cy="4351338"/>
+            <a:off x="1744662" y="1825625"/>
+            <a:ext cx="8702676" cy="4351338"/>
           </a:xfrm>
         </p:spPr>
       </p:pic>
@@ -4164,7 +4141,7 @@
           <p:cNvPr id="3" name="Номер слайда 2">
             <a:extLst>
               <a:ext uri="{FF2B5EF4-FFF2-40B4-BE49-F238E27FC236}">
-                <a16:creationId xmlns:a16="http://schemas.microsoft.com/office/drawing/2014/main" id="{24AECF2B-BCBA-4187-A09F-5703E438F154}"/>
+                <a16:creationId xmlns:a16="http://schemas.microsoft.com/office/drawing/2014/main" id="{896753AB-90DC-44FB-8ABF-541F333DBF50}"/>
               </a:ext>
             </a:extLst>
           </p:cNvPr>
@@ -4191,7 +4168,7 @@
     </p:spTree>
     <p:extLst>
       <p:ext uri="{BB962C8B-B14F-4D97-AF65-F5344CB8AC3E}">
-        <p14:creationId xmlns:p14="http://schemas.microsoft.com/office/powerpoint/2010/main" val="2989166287"/>
+        <p14:creationId xmlns:p14="http://schemas.microsoft.com/office/powerpoint/2010/main" val="4060811891"/>
       </p:ext>
     </p:extLst>
   </p:cSld>
@@ -4223,7 +4200,7 @@
           <p:cNvPr id="2" name="Заголовок 1">
             <a:extLst>
               <a:ext uri="{FF2B5EF4-FFF2-40B4-BE49-F238E27FC236}">
-                <a16:creationId xmlns:a16="http://schemas.microsoft.com/office/drawing/2014/main" id="{E78C212D-F11B-4AD3-AF0B-0B147A8C414B}"/>
+                <a16:creationId xmlns:a16="http://schemas.microsoft.com/office/drawing/2014/main" id="{A8A1B5D6-6FFA-4C1E-BDA8-43FB448D713E}"/>
               </a:ext>
             </a:extLst>
           </p:cNvPr>
@@ -4241,52 +4218,82 @@
           <a:p>
             <a:r>
               <a:rPr lang="ru-RU" dirty="0"/>
-              <a:t>Приложения: задача спортивного программирования</a:t>
-            </a:r>
-          </a:p>
-        </p:txBody>
-      </p:sp>
-      <p:pic>
-        <p:nvPicPr>
-          <p:cNvPr id="5" name="Объект 4">
-            <a:extLst>
-              <a:ext uri="{FF2B5EF4-FFF2-40B4-BE49-F238E27FC236}">
-                <a16:creationId xmlns:a16="http://schemas.microsoft.com/office/drawing/2014/main" id="{70533FA7-1E01-4A53-9869-9D59E237315D}"/>
-              </a:ext>
-            </a:extLst>
-          </p:cNvPr>
-          <p:cNvPicPr>
-            <a:picLocks noGrp="1" noChangeAspect="1"/>
-          </p:cNvPicPr>
+              <a:t>Текущая разработка</a:t>
+            </a:r>
+          </a:p>
+        </p:txBody>
+      </p:sp>
+      <p:sp>
+        <p:nvSpPr>
+          <p:cNvPr id="3" name="Объект 2">
+            <a:extLst>
+              <a:ext uri="{FF2B5EF4-FFF2-40B4-BE49-F238E27FC236}">
+                <a16:creationId xmlns:a16="http://schemas.microsoft.com/office/drawing/2014/main" id="{3B246EE5-D3E8-4792-90E8-1D4C6A31EFDC}"/>
+              </a:ext>
+            </a:extLst>
+          </p:cNvPr>
+          <p:cNvSpPr>
+            <a:spLocks noGrp="1"/>
+          </p:cNvSpPr>
           <p:nvPr>
             <p:ph idx="1"/>
           </p:nvPr>
-        </p:nvPicPr>
-        <p:blipFill>
-          <a:blip r:embed="rId2">
-            <a:extLst>
-              <a:ext uri="{28A0092B-C50C-407E-A947-70E740481C1C}">
-                <a14:useLocalDpi xmlns:a14="http://schemas.microsoft.com/office/drawing/2010/main" val="0"/>
-              </a:ext>
-            </a:extLst>
-          </a:blip>
-          <a:stretch>
-            <a:fillRect/>
-          </a:stretch>
-        </p:blipFill>
-        <p:spPr>
-          <a:xfrm>
-            <a:off x="2425318" y="1825625"/>
-            <a:ext cx="7341363" cy="4351338"/>
-          </a:xfrm>
-        </p:spPr>
-      </p:pic>
-      <p:sp>
-        <p:nvSpPr>
-          <p:cNvPr id="3" name="Номер слайда 2">
-            <a:extLst>
-              <a:ext uri="{FF2B5EF4-FFF2-40B4-BE49-F238E27FC236}">
-                <a16:creationId xmlns:a16="http://schemas.microsoft.com/office/drawing/2014/main" id="{0E20E273-9BEE-4433-99D3-19F64A72522E}"/>
+        </p:nvSpPr>
+        <p:spPr/>
+        <p:txBody>
+          <a:bodyPr>
+            <a:normAutofit/>
+          </a:bodyPr>
+          <a:lstStyle/>
+          <a:p>
+            <a:r>
+              <a:rPr lang="ru-RU" sz="3200" dirty="0"/>
+              <a:t>Веб-сайт</a:t>
+            </a:r>
+          </a:p>
+          <a:p>
+            <a:pPr lvl="1"/>
+            <a:r>
+              <a:rPr lang="en-US" sz="2800" dirty="0"/>
+              <a:t>Python 3</a:t>
+            </a:r>
+          </a:p>
+          <a:p>
+            <a:pPr lvl="1"/>
+            <a:r>
+              <a:rPr lang="en-US" sz="2800" dirty="0"/>
+              <a:t>Django</a:t>
+            </a:r>
+          </a:p>
+          <a:p>
+            <a:pPr lvl="1"/>
+            <a:r>
+              <a:rPr lang="en-US" sz="2800" dirty="0"/>
+              <a:t>Bootstrap 4</a:t>
+            </a:r>
+            <a:endParaRPr lang="ru-RU" sz="2800" dirty="0"/>
+          </a:p>
+          <a:p>
+            <a:r>
+              <a:rPr lang="ru-RU" sz="3200" dirty="0"/>
+              <a:t>База данных</a:t>
+            </a:r>
+          </a:p>
+          <a:p>
+            <a:pPr lvl="1"/>
+            <a:r>
+              <a:rPr lang="en-US" sz="2800" dirty="0"/>
+              <a:t>PostgreSQL</a:t>
+            </a:r>
+          </a:p>
+        </p:txBody>
+      </p:sp>
+      <p:sp>
+        <p:nvSpPr>
+          <p:cNvPr id="4" name="Номер слайда 3">
+            <a:extLst>
+              <a:ext uri="{FF2B5EF4-FFF2-40B4-BE49-F238E27FC236}">
+                <a16:creationId xmlns:a16="http://schemas.microsoft.com/office/drawing/2014/main" id="{22B936DF-95FF-4F98-9D8F-12DA490F221B}"/>
               </a:ext>
             </a:extLst>
           </p:cNvPr>
@@ -4305,400 +4312,6 @@
             <a:fld id="{A1F72AFE-90A1-4C6E-9381-5E055E541279}" type="slidenum">
               <a:rPr lang="ru-RU" smtClean="0"/>
               <a:t>13</a:t>
-            </a:fld>
-            <a:endParaRPr lang="ru-RU"/>
-          </a:p>
-        </p:txBody>
-      </p:sp>
-    </p:spTree>
-    <p:extLst>
-      <p:ext uri="{BB962C8B-B14F-4D97-AF65-F5344CB8AC3E}">
-        <p14:creationId xmlns:p14="http://schemas.microsoft.com/office/powerpoint/2010/main" val="570039056"/>
-      </p:ext>
-    </p:extLst>
-  </p:cSld>
-  <p:clrMapOvr>
-    <a:masterClrMapping/>
-  </p:clrMapOvr>
-</p:sld>
-</file>
-
-<file path=ppt/slides/slide14.xml><?xml version="1.0" encoding="utf-8"?>
-<p:sld xmlns:a="http://schemas.openxmlformats.org/drawingml/2006/main" xmlns:r="http://schemas.openxmlformats.org/officeDocument/2006/relationships" xmlns:p="http://schemas.openxmlformats.org/presentationml/2006/main">
-  <p:cSld>
-    <p:spTree>
-      <p:nvGrpSpPr>
-        <p:cNvPr id="1" name=""/>
-        <p:cNvGrpSpPr/>
-        <p:nvPr/>
-      </p:nvGrpSpPr>
-      <p:grpSpPr>
-        <a:xfrm>
-          <a:off x="0" y="0"/>
-          <a:ext cx="0" cy="0"/>
-          <a:chOff x="0" y="0"/>
-          <a:chExt cx="0" cy="0"/>
-        </a:xfrm>
-      </p:grpSpPr>
-      <p:sp>
-        <p:nvSpPr>
-          <p:cNvPr id="2" name="Заголовок 1">
-            <a:extLst>
-              <a:ext uri="{FF2B5EF4-FFF2-40B4-BE49-F238E27FC236}">
-                <a16:creationId xmlns:a16="http://schemas.microsoft.com/office/drawing/2014/main" id="{CEC68BF5-FD36-4209-8088-E474C5E29E9A}"/>
-              </a:ext>
-            </a:extLst>
-          </p:cNvPr>
-          <p:cNvSpPr>
-            <a:spLocks noGrp="1"/>
-          </p:cNvSpPr>
-          <p:nvPr>
-            <p:ph type="title"/>
-          </p:nvPr>
-        </p:nvSpPr>
-        <p:spPr/>
-        <p:txBody>
-          <a:bodyPr/>
-          <a:lstStyle/>
-          <a:p>
-            <a:r>
-              <a:rPr lang="ru-RU" dirty="0"/>
-              <a:t>Приложения: задачи по математике</a:t>
-            </a:r>
-          </a:p>
-        </p:txBody>
-      </p:sp>
-      <p:pic>
-        <p:nvPicPr>
-          <p:cNvPr id="5" name="Объект 4">
-            <a:extLst>
-              <a:ext uri="{FF2B5EF4-FFF2-40B4-BE49-F238E27FC236}">
-                <a16:creationId xmlns:a16="http://schemas.microsoft.com/office/drawing/2014/main" id="{6C4A5577-C3C2-46CE-AFC9-2137ABA9F315}"/>
-              </a:ext>
-            </a:extLst>
-          </p:cNvPr>
-          <p:cNvPicPr>
-            <a:picLocks noGrp="1" noChangeAspect="1"/>
-          </p:cNvPicPr>
-          <p:nvPr>
-            <p:ph idx="1"/>
-          </p:nvPr>
-        </p:nvPicPr>
-        <p:blipFill>
-          <a:blip r:embed="rId2">
-            <a:extLst>
-              <a:ext uri="{28A0092B-C50C-407E-A947-70E740481C1C}">
-                <a14:useLocalDpi xmlns:a14="http://schemas.microsoft.com/office/drawing/2010/main" val="0"/>
-              </a:ext>
-            </a:extLst>
-          </a:blip>
-          <a:stretch>
-            <a:fillRect/>
-          </a:stretch>
-        </p:blipFill>
-        <p:spPr>
-          <a:xfrm>
-            <a:off x="1751658" y="1825625"/>
-            <a:ext cx="8688684" cy="4351338"/>
-          </a:xfrm>
-        </p:spPr>
-      </p:pic>
-      <p:sp>
-        <p:nvSpPr>
-          <p:cNvPr id="3" name="Номер слайда 2">
-            <a:extLst>
-              <a:ext uri="{FF2B5EF4-FFF2-40B4-BE49-F238E27FC236}">
-                <a16:creationId xmlns:a16="http://schemas.microsoft.com/office/drawing/2014/main" id="{B5F58339-4237-4E79-854E-8A3724475712}"/>
-              </a:ext>
-            </a:extLst>
-          </p:cNvPr>
-          <p:cNvSpPr>
-            <a:spLocks noGrp="1"/>
-          </p:cNvSpPr>
-          <p:nvPr>
-            <p:ph type="sldNum" sz="quarter" idx="12"/>
-          </p:nvPr>
-        </p:nvSpPr>
-        <p:spPr/>
-        <p:txBody>
-          <a:bodyPr/>
-          <a:lstStyle/>
-          <a:p>
-            <a:fld id="{A1F72AFE-90A1-4C6E-9381-5E055E541279}" type="slidenum">
-              <a:rPr lang="ru-RU" smtClean="0"/>
-              <a:t>14</a:t>
-            </a:fld>
-            <a:endParaRPr lang="ru-RU"/>
-          </a:p>
-        </p:txBody>
-      </p:sp>
-    </p:spTree>
-    <p:extLst>
-      <p:ext uri="{BB962C8B-B14F-4D97-AF65-F5344CB8AC3E}">
-        <p14:creationId xmlns:p14="http://schemas.microsoft.com/office/powerpoint/2010/main" val="1643139071"/>
-      </p:ext>
-    </p:extLst>
-  </p:cSld>
-  <p:clrMapOvr>
-    <a:masterClrMapping/>
-  </p:clrMapOvr>
-</p:sld>
-</file>
-
-<file path=ppt/slides/slide15.xml><?xml version="1.0" encoding="utf-8"?>
-<p:sld xmlns:a="http://schemas.openxmlformats.org/drawingml/2006/main" xmlns:r="http://schemas.openxmlformats.org/officeDocument/2006/relationships" xmlns:p="http://schemas.openxmlformats.org/presentationml/2006/main">
-  <p:cSld>
-    <p:spTree>
-      <p:nvGrpSpPr>
-        <p:cNvPr id="1" name=""/>
-        <p:cNvGrpSpPr/>
-        <p:nvPr/>
-      </p:nvGrpSpPr>
-      <p:grpSpPr>
-        <a:xfrm>
-          <a:off x="0" y="0"/>
-          <a:ext cx="0" cy="0"/>
-          <a:chOff x="0" y="0"/>
-          <a:chExt cx="0" cy="0"/>
-        </a:xfrm>
-      </p:grpSpPr>
-      <p:sp>
-        <p:nvSpPr>
-          <p:cNvPr id="2" name="Заголовок 1">
-            <a:extLst>
-              <a:ext uri="{FF2B5EF4-FFF2-40B4-BE49-F238E27FC236}">
-                <a16:creationId xmlns:a16="http://schemas.microsoft.com/office/drawing/2014/main" id="{FB9F5583-FC48-4074-A092-2500A48706B1}"/>
-              </a:ext>
-            </a:extLst>
-          </p:cNvPr>
-          <p:cNvSpPr>
-            <a:spLocks noGrp="1"/>
-          </p:cNvSpPr>
-          <p:nvPr>
-            <p:ph type="title"/>
-          </p:nvPr>
-        </p:nvSpPr>
-        <p:spPr/>
-        <p:txBody>
-          <a:bodyPr/>
-          <a:lstStyle/>
-          <a:p>
-            <a:r>
-              <a:rPr lang="ru-RU" dirty="0"/>
-              <a:t>Приложения: эссе по литературе</a:t>
-            </a:r>
-          </a:p>
-        </p:txBody>
-      </p:sp>
-      <p:pic>
-        <p:nvPicPr>
-          <p:cNvPr id="5" name="Объект 4">
-            <a:extLst>
-              <a:ext uri="{FF2B5EF4-FFF2-40B4-BE49-F238E27FC236}">
-                <a16:creationId xmlns:a16="http://schemas.microsoft.com/office/drawing/2014/main" id="{5FA965EC-0510-44C5-B826-524C50DAAEE0}"/>
-              </a:ext>
-            </a:extLst>
-          </p:cNvPr>
-          <p:cNvPicPr>
-            <a:picLocks noGrp="1" noChangeAspect="1"/>
-          </p:cNvPicPr>
-          <p:nvPr>
-            <p:ph idx="1"/>
-          </p:nvPr>
-        </p:nvPicPr>
-        <p:blipFill>
-          <a:blip r:embed="rId2">
-            <a:extLst>
-              <a:ext uri="{28A0092B-C50C-407E-A947-70E740481C1C}">
-                <a14:useLocalDpi xmlns:a14="http://schemas.microsoft.com/office/drawing/2010/main" val="0"/>
-              </a:ext>
-            </a:extLst>
-          </a:blip>
-          <a:stretch>
-            <a:fillRect/>
-          </a:stretch>
-        </p:blipFill>
-        <p:spPr>
-          <a:xfrm>
-            <a:off x="1744662" y="1825625"/>
-            <a:ext cx="8702676" cy="4351338"/>
-          </a:xfrm>
-        </p:spPr>
-      </p:pic>
-      <p:sp>
-        <p:nvSpPr>
-          <p:cNvPr id="3" name="Номер слайда 2">
-            <a:extLst>
-              <a:ext uri="{FF2B5EF4-FFF2-40B4-BE49-F238E27FC236}">
-                <a16:creationId xmlns:a16="http://schemas.microsoft.com/office/drawing/2014/main" id="{896753AB-90DC-44FB-8ABF-541F333DBF50}"/>
-              </a:ext>
-            </a:extLst>
-          </p:cNvPr>
-          <p:cNvSpPr>
-            <a:spLocks noGrp="1"/>
-          </p:cNvSpPr>
-          <p:nvPr>
-            <p:ph type="sldNum" sz="quarter" idx="12"/>
-          </p:nvPr>
-        </p:nvSpPr>
-        <p:spPr/>
-        <p:txBody>
-          <a:bodyPr/>
-          <a:lstStyle/>
-          <a:p>
-            <a:fld id="{A1F72AFE-90A1-4C6E-9381-5E055E541279}" type="slidenum">
-              <a:rPr lang="ru-RU" smtClean="0"/>
-              <a:t>15</a:t>
-            </a:fld>
-            <a:endParaRPr lang="ru-RU"/>
-          </a:p>
-        </p:txBody>
-      </p:sp>
-    </p:spTree>
-    <p:extLst>
-      <p:ext uri="{BB962C8B-B14F-4D97-AF65-F5344CB8AC3E}">
-        <p14:creationId xmlns:p14="http://schemas.microsoft.com/office/powerpoint/2010/main" val="4060811891"/>
-      </p:ext>
-    </p:extLst>
-  </p:cSld>
-  <p:clrMapOvr>
-    <a:masterClrMapping/>
-  </p:clrMapOvr>
-</p:sld>
-</file>
-
-<file path=ppt/slides/slide16.xml><?xml version="1.0" encoding="utf-8"?>
-<p:sld xmlns:a="http://schemas.openxmlformats.org/drawingml/2006/main" xmlns:r="http://schemas.openxmlformats.org/officeDocument/2006/relationships" xmlns:p="http://schemas.openxmlformats.org/presentationml/2006/main">
-  <p:cSld>
-    <p:spTree>
-      <p:nvGrpSpPr>
-        <p:cNvPr id="1" name=""/>
-        <p:cNvGrpSpPr/>
-        <p:nvPr/>
-      </p:nvGrpSpPr>
-      <p:grpSpPr>
-        <a:xfrm>
-          <a:off x="0" y="0"/>
-          <a:ext cx="0" cy="0"/>
-          <a:chOff x="0" y="0"/>
-          <a:chExt cx="0" cy="0"/>
-        </a:xfrm>
-      </p:grpSpPr>
-      <p:sp>
-        <p:nvSpPr>
-          <p:cNvPr id="2" name="Заголовок 1">
-            <a:extLst>
-              <a:ext uri="{FF2B5EF4-FFF2-40B4-BE49-F238E27FC236}">
-                <a16:creationId xmlns:a16="http://schemas.microsoft.com/office/drawing/2014/main" id="{A8A1B5D6-6FFA-4C1E-BDA8-43FB448D713E}"/>
-              </a:ext>
-            </a:extLst>
-          </p:cNvPr>
-          <p:cNvSpPr>
-            <a:spLocks noGrp="1"/>
-          </p:cNvSpPr>
-          <p:nvPr>
-            <p:ph type="title"/>
-          </p:nvPr>
-        </p:nvSpPr>
-        <p:spPr/>
-        <p:txBody>
-          <a:bodyPr/>
-          <a:lstStyle/>
-          <a:p>
-            <a:r>
-              <a:rPr lang="ru-RU" dirty="0"/>
-              <a:t>Текущая разработка</a:t>
-            </a:r>
-          </a:p>
-        </p:txBody>
-      </p:sp>
-      <p:sp>
-        <p:nvSpPr>
-          <p:cNvPr id="3" name="Объект 2">
-            <a:extLst>
-              <a:ext uri="{FF2B5EF4-FFF2-40B4-BE49-F238E27FC236}">
-                <a16:creationId xmlns:a16="http://schemas.microsoft.com/office/drawing/2014/main" id="{3B246EE5-D3E8-4792-90E8-1D4C6A31EFDC}"/>
-              </a:ext>
-            </a:extLst>
-          </p:cNvPr>
-          <p:cNvSpPr>
-            <a:spLocks noGrp="1"/>
-          </p:cNvSpPr>
-          <p:nvPr>
-            <p:ph idx="1"/>
-          </p:nvPr>
-        </p:nvSpPr>
-        <p:spPr/>
-        <p:txBody>
-          <a:bodyPr/>
-          <a:lstStyle/>
-          <a:p>
-            <a:r>
-              <a:rPr lang="ru-RU" dirty="0"/>
-              <a:t>Веб-сайт</a:t>
-            </a:r>
-          </a:p>
-          <a:p>
-            <a:pPr lvl="1"/>
-            <a:r>
-              <a:rPr lang="en-US" dirty="0"/>
-              <a:t>Python 3</a:t>
-            </a:r>
-          </a:p>
-          <a:p>
-            <a:pPr lvl="1"/>
-            <a:r>
-              <a:rPr lang="en-US" dirty="0"/>
-              <a:t>Django</a:t>
-            </a:r>
-          </a:p>
-          <a:p>
-            <a:pPr lvl="1"/>
-            <a:r>
-              <a:rPr lang="en-US" dirty="0"/>
-              <a:t>Bootstrap 4</a:t>
-            </a:r>
-            <a:endParaRPr lang="ru-RU" dirty="0"/>
-          </a:p>
-          <a:p>
-            <a:r>
-              <a:rPr lang="ru-RU" dirty="0"/>
-              <a:t>База данных</a:t>
-            </a:r>
-          </a:p>
-          <a:p>
-            <a:pPr lvl="1"/>
-            <a:r>
-              <a:rPr lang="en-US" dirty="0"/>
-              <a:t>PostgreSQL</a:t>
-            </a:r>
-          </a:p>
-        </p:txBody>
-      </p:sp>
-      <p:sp>
-        <p:nvSpPr>
-          <p:cNvPr id="4" name="Номер слайда 3">
-            <a:extLst>
-              <a:ext uri="{FF2B5EF4-FFF2-40B4-BE49-F238E27FC236}">
-                <a16:creationId xmlns:a16="http://schemas.microsoft.com/office/drawing/2014/main" id="{22B936DF-95FF-4F98-9D8F-12DA490F221B}"/>
-              </a:ext>
-            </a:extLst>
-          </p:cNvPr>
-          <p:cNvSpPr>
-            <a:spLocks noGrp="1"/>
-          </p:cNvSpPr>
-          <p:nvPr>
-            <p:ph type="sldNum" sz="quarter" idx="12"/>
-          </p:nvPr>
-        </p:nvSpPr>
-        <p:spPr/>
-        <p:txBody>
-          <a:bodyPr/>
-          <a:lstStyle/>
-          <a:p>
-            <a:fld id="{A1F72AFE-90A1-4C6E-9381-5E055E541279}" type="slidenum">
-              <a:rPr lang="ru-RU" smtClean="0"/>
-              <a:t>16</a:t>
             </a:fld>
             <a:endParaRPr lang="ru-RU"/>
           </a:p>
@@ -4717,7 +4330,7 @@
 </p:sld>
 </file>
 
-<file path=ppt/slides/slide17.xml><?xml version="1.0" encoding="utf-8"?>
+<file path=ppt/slides/slide14.xml><?xml version="1.0" encoding="utf-8"?>
 <p:sld xmlns:a="http://schemas.openxmlformats.org/drawingml/2006/main" xmlns:r="http://schemas.openxmlformats.org/officeDocument/2006/relationships" xmlns:p="http://schemas.openxmlformats.org/presentationml/2006/main">
   <p:cSld>
     <p:spTree>
@@ -4838,23 +4451,25 @@
         </p:nvSpPr>
         <p:spPr/>
         <p:txBody>
-          <a:bodyPr/>
-          <a:lstStyle/>
-          <a:p>
-            <a:r>
-              <a:rPr lang="ru-RU" dirty="0"/>
+          <a:bodyPr>
+            <a:normAutofit/>
+          </a:bodyPr>
+          <a:lstStyle/>
+          <a:p>
+            <a:r>
+              <a:rPr lang="ru-RU" sz="3200" dirty="0"/>
               <a:t>Обучать студентов с помощью интересного учебного материала в интерактивной форме</a:t>
             </a:r>
           </a:p>
           <a:p>
             <a:r>
-              <a:rPr lang="ru-RU" dirty="0"/>
-              <a:t>Позволять создавать разнообразный учебный материал</a:t>
-            </a:r>
-          </a:p>
-          <a:p>
-            <a:r>
-              <a:rPr lang="ru-RU" dirty="0"/>
+              <a:rPr lang="ru-RU" sz="3200" dirty="0"/>
+              <a:t>Позволять преподавателям создавать разнообразный учебный материал</a:t>
+            </a:r>
+          </a:p>
+          <a:p>
+            <a:r>
+              <a:rPr lang="ru-RU" sz="3200" dirty="0"/>
               <a:t>Снизить нагрузку на преподавателей, автоматизировав работу по проверке решений</a:t>
             </a:r>
           </a:p>
@@ -4965,46 +4580,39 @@
         </p:nvSpPr>
         <p:spPr/>
         <p:txBody>
-          <a:bodyPr/>
-          <a:lstStyle/>
-          <a:p>
-            <a:r>
-              <a:rPr lang="ru-RU" dirty="0"/>
+          <a:bodyPr>
+            <a:normAutofit/>
+          </a:bodyPr>
+          <a:lstStyle/>
+          <a:p>
+            <a:r>
+              <a:rPr lang="ru-RU" sz="3200" dirty="0"/>
               <a:t>Веб-сайт</a:t>
             </a:r>
           </a:p>
           <a:p>
             <a:r>
-              <a:rPr lang="ru-RU" dirty="0"/>
+              <a:rPr lang="ru-RU" sz="3200" dirty="0"/>
               <a:t>Базы данных</a:t>
             </a:r>
           </a:p>
           <a:p>
             <a:r>
-              <a:rPr lang="ru-RU" dirty="0"/>
+              <a:rPr lang="ru-RU" sz="3200" dirty="0"/>
+              <a:t>Серверное ПО</a:t>
+            </a:r>
+          </a:p>
+          <a:p>
+            <a:r>
+              <a:rPr lang="ru-RU" sz="3200" dirty="0"/>
               <a:t>Учебные материалы</a:t>
             </a:r>
           </a:p>
           <a:p>
             <a:r>
-              <a:rPr lang="ru-RU" dirty="0"/>
+              <a:rPr lang="ru-RU" sz="3200" dirty="0"/>
               <a:t>Приложения</a:t>
             </a:r>
-          </a:p>
-          <a:p>
-            <a:r>
-              <a:rPr lang="ru-RU" dirty="0"/>
-              <a:t>Системы контроля версий</a:t>
-            </a:r>
-          </a:p>
-          <a:p>
-            <a:r>
-              <a:rPr lang="ru-RU" dirty="0"/>
-              <a:t>Серверное ПО</a:t>
-            </a:r>
-          </a:p>
-          <a:p>
-            <a:endParaRPr lang="ru-RU" dirty="0"/>
           </a:p>
         </p:txBody>
       </p:sp>
@@ -5033,7 +4641,7 @@
               <a:rPr lang="ru-RU" smtClean="0"/>
               <a:t>3</a:t>
             </a:fld>
-            <a:endParaRPr lang="ru-RU"/>
+            <a:endParaRPr lang="ru-RU" dirty="0"/>
           </a:p>
         </p:txBody>
       </p:sp>
@@ -5090,7 +4698,7 @@
           <a:p>
             <a:r>
               <a:rPr lang="ru-RU" dirty="0"/>
-              <a:t>Концепция: веб-сайт</a:t>
+              <a:t>Концепция: веб-сайт, базы данных и серверное ПО</a:t>
             </a:r>
           </a:p>
         </p:txBody>
@@ -5111,14 +4719,68 @@
             <p:ph idx="1"/>
           </p:nvPr>
         </p:nvSpPr>
-        <p:spPr/>
-        <p:txBody>
-          <a:bodyPr/>
-          <a:lstStyle/>
-          <a:p>
-            <a:r>
-              <a:rPr lang="ru-RU" dirty="0"/>
+        <p:spPr>
+          <a:xfrm>
+            <a:off x="838200" y="1825625"/>
+            <a:ext cx="10515600" cy="4351338"/>
+          </a:xfrm>
+        </p:spPr>
+        <p:txBody>
+          <a:bodyPr>
+            <a:normAutofit lnSpcReduction="10000"/>
+          </a:bodyPr>
+          <a:lstStyle/>
+          <a:p>
+            <a:r>
+              <a:rPr lang="ru-RU" sz="3200" dirty="0"/>
+              <a:t>Веб-сайт: </a:t>
+            </a:r>
+          </a:p>
+          <a:p>
+            <a:pPr lvl="1"/>
+            <a:r>
+              <a:rPr lang="ru-RU" sz="2800" dirty="0"/>
               <a:t>Обеспечивает взаимодействие пользователей и системы</a:t>
+            </a:r>
+          </a:p>
+          <a:p>
+            <a:r>
+              <a:rPr lang="ru-RU" sz="3200" dirty="0"/>
+              <a:t>Базы данных: </a:t>
+            </a:r>
+          </a:p>
+          <a:p>
+            <a:pPr lvl="1"/>
+            <a:r>
+              <a:rPr lang="ru-RU" sz="2800" dirty="0"/>
+              <a:t>Глобальная БД хранит данные о пользователях, приложениях и других сущностях системы</a:t>
+            </a:r>
+          </a:p>
+          <a:p>
+            <a:pPr lvl="1"/>
+            <a:r>
+              <a:rPr lang="ru-RU" sz="2800" dirty="0"/>
+              <a:t>Локальные БД могут использоваться приложениями в своих целях</a:t>
+            </a:r>
+          </a:p>
+          <a:p>
+            <a:r>
+              <a:rPr lang="ru-RU" sz="3200" dirty="0"/>
+              <a:t>Серверное ПО: </a:t>
+            </a:r>
+          </a:p>
+          <a:p>
+            <a:pPr lvl="1"/>
+            <a:r>
+              <a:rPr lang="ru-RU" sz="2800" dirty="0"/>
+              <a:t>Обеспечивает взаимодействие различных приложений</a:t>
+            </a:r>
+          </a:p>
+          <a:p>
+            <a:pPr lvl="1"/>
+            <a:r>
+              <a:rPr lang="ru-RU" sz="2800" dirty="0"/>
+              <a:t>Предоставляет доступ к системам контроля версий</a:t>
             </a:r>
           </a:p>
         </p:txBody>
@@ -5148,7 +4810,7 @@
               <a:rPr lang="ru-RU" smtClean="0"/>
               <a:t>4</a:t>
             </a:fld>
-            <a:endParaRPr lang="ru-RU"/>
+            <a:endParaRPr lang="ru-RU" dirty="0"/>
           </a:p>
         </p:txBody>
       </p:sp>
@@ -5187,7 +4849,7 @@
           <p:cNvPr id="2" name="Заголовок 1">
             <a:extLst>
               <a:ext uri="{FF2B5EF4-FFF2-40B4-BE49-F238E27FC236}">
-                <a16:creationId xmlns:a16="http://schemas.microsoft.com/office/drawing/2014/main" id="{4E410604-2F5A-40B0-B267-4FDE8819CB3B}"/>
+                <a16:creationId xmlns:a16="http://schemas.microsoft.com/office/drawing/2014/main" id="{1E156934-CAED-4CCC-8F42-51A15E9B587E}"/>
               </a:ext>
             </a:extLst>
           </p:cNvPr>
@@ -5205,7 +4867,7 @@
           <a:p>
             <a:r>
               <a:rPr lang="ru-RU" dirty="0"/>
-              <a:t>Концепция: базы данных</a:t>
+              <a:t>Концепция: учебные материалы</a:t>
             </a:r>
           </a:p>
         </p:txBody>
@@ -5215,7 +4877,7 @@
           <p:cNvPr id="3" name="Объект 2">
             <a:extLst>
               <a:ext uri="{FF2B5EF4-FFF2-40B4-BE49-F238E27FC236}">
-                <a16:creationId xmlns:a16="http://schemas.microsoft.com/office/drawing/2014/main" id="{1C6269B7-300A-4B1F-ABF5-EC145BFAE598}"/>
+                <a16:creationId xmlns:a16="http://schemas.microsoft.com/office/drawing/2014/main" id="{0A62F514-B91A-4A33-B570-6FB01AE6F7BE}"/>
               </a:ext>
             </a:extLst>
           </p:cNvPr>
@@ -5228,18 +4890,26 @@
         </p:nvSpPr>
         <p:spPr/>
         <p:txBody>
-          <a:bodyPr/>
-          <a:lstStyle/>
-          <a:p>
-            <a:r>
-              <a:rPr lang="ru-RU" dirty="0"/>
-              <a:t>Глобальная БД хранит данные о пользователях, приложениях и других сущностях системы</a:t>
-            </a:r>
-          </a:p>
-          <a:p>
-            <a:r>
-              <a:rPr lang="ru-RU" dirty="0"/>
-              <a:t>Локальные БД могут использоваться приложениями в своих целях</a:t>
+          <a:bodyPr>
+            <a:normAutofit/>
+          </a:bodyPr>
+          <a:lstStyle/>
+          <a:p>
+            <a:r>
+              <a:rPr lang="ru-RU" sz="3200" dirty="0"/>
+              <a:t>Составляются преподавателями</a:t>
+            </a:r>
+          </a:p>
+          <a:p>
+            <a:r>
+              <a:rPr lang="ru-RU" sz="3200" dirty="0"/>
+              <a:t>Изучаются/решаются студентами</a:t>
+            </a:r>
+          </a:p>
+          <a:p>
+            <a:r>
+              <a:rPr lang="ru-RU" sz="3200" dirty="0"/>
+              <a:t>Отображаются с помощью приложений клиентской стороны</a:t>
             </a:r>
           </a:p>
         </p:txBody>
@@ -5249,7 +4919,7 @@
           <p:cNvPr id="4" name="Номер слайда 3">
             <a:extLst>
               <a:ext uri="{FF2B5EF4-FFF2-40B4-BE49-F238E27FC236}">
-                <a16:creationId xmlns:a16="http://schemas.microsoft.com/office/drawing/2014/main" id="{AA8E5492-B773-4C21-B933-8656E5CFAB31}"/>
+                <a16:creationId xmlns:a16="http://schemas.microsoft.com/office/drawing/2014/main" id="{5C117AFE-3668-4E2D-B1A2-9DA8AE2D0AC1}"/>
               </a:ext>
             </a:extLst>
           </p:cNvPr>
@@ -5276,7 +4946,7 @@
     </p:spTree>
     <p:extLst>
       <p:ext uri="{BB962C8B-B14F-4D97-AF65-F5344CB8AC3E}">
-        <p14:creationId xmlns:p14="http://schemas.microsoft.com/office/powerpoint/2010/main" val="2817235060"/>
+        <p14:creationId xmlns:p14="http://schemas.microsoft.com/office/powerpoint/2010/main" val="3230715197"/>
       </p:ext>
     </p:extLst>
   </p:cSld>
@@ -5308,7 +4978,7 @@
           <p:cNvPr id="2" name="Заголовок 1">
             <a:extLst>
               <a:ext uri="{FF2B5EF4-FFF2-40B4-BE49-F238E27FC236}">
-                <a16:creationId xmlns:a16="http://schemas.microsoft.com/office/drawing/2014/main" id="{1E156934-CAED-4CCC-8F42-51A15E9B587E}"/>
+                <a16:creationId xmlns:a16="http://schemas.microsoft.com/office/drawing/2014/main" id="{AD9B48CB-2CEE-4E2E-82A3-1789E98BF3F0}"/>
               </a:ext>
             </a:extLst>
           </p:cNvPr>
@@ -5326,7 +4996,7 @@
           <a:p>
             <a:r>
               <a:rPr lang="ru-RU" dirty="0"/>
-              <a:t>Концепция: учебные материалы</a:t>
+              <a:t>Концепция: приложения</a:t>
             </a:r>
           </a:p>
         </p:txBody>
@@ -5336,7 +5006,7 @@
           <p:cNvPr id="3" name="Объект 2">
             <a:extLst>
               <a:ext uri="{FF2B5EF4-FFF2-40B4-BE49-F238E27FC236}">
-                <a16:creationId xmlns:a16="http://schemas.microsoft.com/office/drawing/2014/main" id="{0A62F514-B91A-4A33-B570-6FB01AE6F7BE}"/>
+                <a16:creationId xmlns:a16="http://schemas.microsoft.com/office/drawing/2014/main" id="{6D7E4B50-9A4D-4D61-A389-674D318970E8}"/>
               </a:ext>
             </a:extLst>
           </p:cNvPr>
@@ -5349,24 +5019,65 @@
         </p:nvSpPr>
         <p:spPr/>
         <p:txBody>
-          <a:bodyPr/>
-          <a:lstStyle/>
-          <a:p>
-            <a:r>
-              <a:rPr lang="ru-RU" dirty="0"/>
-              <a:t>Составляются преподавателями</a:t>
-            </a:r>
-          </a:p>
-          <a:p>
-            <a:r>
-              <a:rPr lang="ru-RU" dirty="0"/>
-              <a:t>Изучаются/решаются студентами</a:t>
-            </a:r>
-          </a:p>
-          <a:p>
-            <a:r>
-              <a:rPr lang="ru-RU" dirty="0"/>
-              <a:t>Отображаются с помощью приложений клиентской стороны</a:t>
+          <a:bodyPr>
+            <a:normAutofit lnSpcReduction="10000"/>
+          </a:bodyPr>
+          <a:lstStyle/>
+          <a:p>
+            <a:r>
+              <a:rPr lang="ru-RU" sz="3200" dirty="0"/>
+              <a:t>Создаются разработчиками</a:t>
+            </a:r>
+          </a:p>
+          <a:p>
+            <a:r>
+              <a:rPr lang="ru-RU" sz="3200" dirty="0"/>
+              <a:t>Могут объединяться в системы приложений</a:t>
+            </a:r>
+          </a:p>
+          <a:p>
+            <a:r>
+              <a:rPr lang="ru-RU" sz="3200" dirty="0"/>
+              <a:t>Приложения на стороне клиента</a:t>
+            </a:r>
+          </a:p>
+          <a:p>
+            <a:pPr lvl="1"/>
+            <a:r>
+              <a:rPr lang="en-US" sz="2800" dirty="0"/>
+              <a:t>HTML + CSS + JavaScript</a:t>
+            </a:r>
+            <a:endParaRPr lang="ru-RU" sz="2800" dirty="0"/>
+          </a:p>
+          <a:p>
+            <a:pPr lvl="1"/>
+            <a:r>
+              <a:rPr lang="ru-RU" sz="2800" dirty="0"/>
+              <a:t>Необходимы для взаимодействия пользователей и систем приложений</a:t>
+            </a:r>
+          </a:p>
+          <a:p>
+            <a:r>
+              <a:rPr lang="ru-RU" sz="3200" dirty="0"/>
+              <a:t>Приложения на стороне сервера</a:t>
+            </a:r>
+          </a:p>
+          <a:p>
+            <a:pPr lvl="1"/>
+            <a:r>
+              <a:rPr lang="en-US" sz="2800" dirty="0"/>
+              <a:t>C++, Python, Java </a:t>
+            </a:r>
+            <a:r>
+              <a:rPr lang="ru-RU" sz="2800" dirty="0"/>
+              <a:t>и др.</a:t>
+            </a:r>
+          </a:p>
+          <a:p>
+            <a:pPr lvl="1"/>
+            <a:r>
+              <a:rPr lang="ru-RU" sz="2800" dirty="0"/>
+              <a:t>Осуществляют обработку каких-либо данных других приложений</a:t>
             </a:r>
           </a:p>
         </p:txBody>
@@ -5376,7 +5087,7 @@
           <p:cNvPr id="4" name="Номер слайда 3">
             <a:extLst>
               <a:ext uri="{FF2B5EF4-FFF2-40B4-BE49-F238E27FC236}">
-                <a16:creationId xmlns:a16="http://schemas.microsoft.com/office/drawing/2014/main" id="{5C117AFE-3668-4E2D-B1A2-9DA8AE2D0AC1}"/>
+                <a16:creationId xmlns:a16="http://schemas.microsoft.com/office/drawing/2014/main" id="{C12E00FB-566A-414F-BBA9-0D096154DB91}"/>
               </a:ext>
             </a:extLst>
           </p:cNvPr>
@@ -5403,7 +5114,7 @@
     </p:spTree>
     <p:extLst>
       <p:ext uri="{BB962C8B-B14F-4D97-AF65-F5344CB8AC3E}">
-        <p14:creationId xmlns:p14="http://schemas.microsoft.com/office/powerpoint/2010/main" val="3230715197"/>
+        <p14:creationId xmlns:p14="http://schemas.microsoft.com/office/powerpoint/2010/main" val="3837321341"/>
       </p:ext>
     </p:extLst>
   </p:cSld>
@@ -5435,7 +5146,7 @@
           <p:cNvPr id="2" name="Заголовок 1">
             <a:extLst>
               <a:ext uri="{FF2B5EF4-FFF2-40B4-BE49-F238E27FC236}">
-                <a16:creationId xmlns:a16="http://schemas.microsoft.com/office/drawing/2014/main" id="{AD9B48CB-2CEE-4E2E-82A3-1789E98BF3F0}"/>
+                <a16:creationId xmlns:a16="http://schemas.microsoft.com/office/drawing/2014/main" id="{78095C5F-66F4-4998-9DD9-523FE97FE43B}"/>
               </a:ext>
             </a:extLst>
           </p:cNvPr>
@@ -5453,7 +5164,7 @@
           <a:p>
             <a:r>
               <a:rPr lang="ru-RU" dirty="0"/>
-              <a:t>Концепция: приложения</a:t>
+              <a:t>Приложения: примеры</a:t>
             </a:r>
           </a:p>
         </p:txBody>
@@ -5463,7 +5174,7 @@
           <p:cNvPr id="3" name="Объект 2">
             <a:extLst>
               <a:ext uri="{FF2B5EF4-FFF2-40B4-BE49-F238E27FC236}">
-                <a16:creationId xmlns:a16="http://schemas.microsoft.com/office/drawing/2014/main" id="{6D7E4B50-9A4D-4D61-A389-674D318970E8}"/>
+                <a16:creationId xmlns:a16="http://schemas.microsoft.com/office/drawing/2014/main" id="{465F0FBB-5305-482E-8332-371F0BFBE924}"/>
               </a:ext>
             </a:extLst>
           </p:cNvPr>
@@ -5476,64 +5187,42 @@
         </p:nvSpPr>
         <p:spPr/>
         <p:txBody>
-          <a:bodyPr/>
-          <a:lstStyle/>
-          <a:p>
-            <a:r>
-              <a:rPr lang="ru-RU" dirty="0"/>
-              <a:t>Создаются разработчиками</a:t>
-            </a:r>
-          </a:p>
-          <a:p>
-            <a:r>
-              <a:rPr lang="ru-RU" dirty="0"/>
-              <a:t>Могут объединяться в системы приложений</a:t>
-            </a:r>
-          </a:p>
-          <a:p>
-            <a:r>
-              <a:rPr lang="ru-RU" dirty="0"/>
-              <a:t>Приложения на стороне клиента</a:t>
-            </a:r>
-          </a:p>
-          <a:p>
-            <a:pPr lvl="1"/>
-            <a:r>
-              <a:rPr lang="en-US" dirty="0"/>
-              <a:t>HTML + CSS + JavaScript</a:t>
-            </a:r>
-            <a:endParaRPr lang="ru-RU" dirty="0"/>
-          </a:p>
-          <a:p>
-            <a:pPr lvl="1"/>
-            <a:r>
-              <a:rPr lang="ru-RU" dirty="0"/>
-              <a:t>Необходимы для взаимодействия пользователей и систем приложений</a:t>
-            </a:r>
-          </a:p>
-          <a:p>
-            <a:r>
-              <a:rPr lang="ru-RU" dirty="0"/>
-              <a:t>Приложения на стороне сервера</a:t>
-            </a:r>
-          </a:p>
-          <a:p>
-            <a:pPr lvl="1"/>
-            <a:r>
-              <a:rPr lang="en-US" dirty="0"/>
-              <a:t>C++, Python, Java </a:t>
-            </a:r>
-            <a:r>
-              <a:rPr lang="ru-RU" dirty="0"/>
-              <a:t>и др.</a:t>
-            </a:r>
-          </a:p>
-          <a:p>
-            <a:pPr lvl="1"/>
-            <a:r>
-              <a:rPr lang="ru-RU" dirty="0"/>
-              <a:t>Осуществляют обработку каких-либо данных других приложений</a:t>
-            </a:r>
+          <a:bodyPr>
+            <a:normAutofit/>
+          </a:bodyPr>
+          <a:lstStyle/>
+          <a:p>
+            <a:r>
+              <a:rPr lang="ru-RU" sz="3200" dirty="0"/>
+              <a:t>Компиляторы/интерпретаторы</a:t>
+            </a:r>
+          </a:p>
+          <a:p>
+            <a:r>
+              <a:rPr lang="ru-RU" sz="3200" dirty="0"/>
+              <a:t>Программа для проверки программы студента на тестах</a:t>
+            </a:r>
+          </a:p>
+          <a:p>
+            <a:r>
+              <a:rPr lang="ru-RU" sz="3200" dirty="0"/>
+              <a:t>Программа для проверки результатов тестирования студента</a:t>
+            </a:r>
+          </a:p>
+          <a:p>
+            <a:r>
+              <a:rPr lang="ru-RU" sz="3200" dirty="0"/>
+              <a:t>Скрипты для отображения интерактивного лекционного материала на странице</a:t>
+            </a:r>
+          </a:p>
+          <a:p>
+            <a:r>
+              <a:rPr lang="ru-RU" sz="3200" dirty="0"/>
+              <a:t>Нейросеть для распознавания рукописного текста</a:t>
+            </a:r>
+          </a:p>
+          <a:p>
+            <a:endParaRPr lang="ru-RU" sz="3200" dirty="0"/>
           </a:p>
         </p:txBody>
       </p:sp>
@@ -5542,7 +5231,7 @@
           <p:cNvPr id="4" name="Номер слайда 3">
             <a:extLst>
               <a:ext uri="{FF2B5EF4-FFF2-40B4-BE49-F238E27FC236}">
-                <a16:creationId xmlns:a16="http://schemas.microsoft.com/office/drawing/2014/main" id="{C12E00FB-566A-414F-BBA9-0D096154DB91}"/>
+                <a16:creationId xmlns:a16="http://schemas.microsoft.com/office/drawing/2014/main" id="{36DF5F19-049E-4EFA-909C-B79E8E23251D}"/>
               </a:ext>
             </a:extLst>
           </p:cNvPr>
@@ -5569,7 +5258,7 @@
     </p:spTree>
     <p:extLst>
       <p:ext uri="{BB962C8B-B14F-4D97-AF65-F5344CB8AC3E}">
-        <p14:creationId xmlns:p14="http://schemas.microsoft.com/office/powerpoint/2010/main" val="3837321341"/>
+        <p14:creationId xmlns:p14="http://schemas.microsoft.com/office/powerpoint/2010/main" val="3698127324"/>
       </p:ext>
     </p:extLst>
   </p:cSld>
@@ -5601,7 +5290,7 @@
           <p:cNvPr id="2" name="Заголовок 1">
             <a:extLst>
               <a:ext uri="{FF2B5EF4-FFF2-40B4-BE49-F238E27FC236}">
-                <a16:creationId xmlns:a16="http://schemas.microsoft.com/office/drawing/2014/main" id="{2E3A8A77-92CB-49D3-82BC-5879DECD7F84}"/>
+                <a16:creationId xmlns:a16="http://schemas.microsoft.com/office/drawing/2014/main" id="{D36FCF8B-CE60-457C-B15E-89F89D5C9851}"/>
               </a:ext>
             </a:extLst>
           </p:cNvPr>
@@ -5619,45 +5308,52 @@
           <a:p>
             <a:r>
               <a:rPr lang="ru-RU" dirty="0"/>
-              <a:t>Концепция: системы контроля версий</a:t>
-            </a:r>
-          </a:p>
-        </p:txBody>
-      </p:sp>
-      <p:sp>
-        <p:nvSpPr>
-          <p:cNvPr id="3" name="Объект 2">
-            <a:extLst>
-              <a:ext uri="{FF2B5EF4-FFF2-40B4-BE49-F238E27FC236}">
-                <a16:creationId xmlns:a16="http://schemas.microsoft.com/office/drawing/2014/main" id="{1220B207-0940-4DF5-8FBA-6D5C6ABA59EE}"/>
-              </a:ext>
-            </a:extLst>
-          </p:cNvPr>
-          <p:cNvSpPr>
-            <a:spLocks noGrp="1"/>
-          </p:cNvSpPr>
+              <a:t>Приложения: лекционный материал</a:t>
+            </a:r>
+          </a:p>
+        </p:txBody>
+      </p:sp>
+      <p:pic>
+        <p:nvPicPr>
+          <p:cNvPr id="5" name="Объект 4">
+            <a:extLst>
+              <a:ext uri="{FF2B5EF4-FFF2-40B4-BE49-F238E27FC236}">
+                <a16:creationId xmlns:a16="http://schemas.microsoft.com/office/drawing/2014/main" id="{EDA46CE1-4725-4A5B-BC98-7B9C0B88E1FB}"/>
+              </a:ext>
+            </a:extLst>
+          </p:cNvPr>
+          <p:cNvPicPr>
+            <a:picLocks noGrp="1" noChangeAspect="1"/>
+          </p:cNvPicPr>
           <p:nvPr>
             <p:ph idx="1"/>
           </p:nvPr>
-        </p:nvSpPr>
-        <p:spPr/>
-        <p:txBody>
-          <a:bodyPr/>
-          <a:lstStyle/>
-          <a:p>
-            <a:r>
-              <a:rPr lang="ru-RU" dirty="0"/>
-              <a:t>Упрощают процесс разработки материалов и приложений</a:t>
-            </a:r>
-          </a:p>
-        </p:txBody>
-      </p:sp>
-      <p:sp>
-        <p:nvSpPr>
-          <p:cNvPr id="4" name="Номер слайда 3">
-            <a:extLst>
-              <a:ext uri="{FF2B5EF4-FFF2-40B4-BE49-F238E27FC236}">
-                <a16:creationId xmlns:a16="http://schemas.microsoft.com/office/drawing/2014/main" id="{A1840F91-DA5C-4DC3-A04F-4FC841ECF299}"/>
+        </p:nvPicPr>
+        <p:blipFill>
+          <a:blip r:embed="rId2">
+            <a:extLst>
+              <a:ext uri="{28A0092B-C50C-407E-A947-70E740481C1C}">
+                <a14:useLocalDpi xmlns:a14="http://schemas.microsoft.com/office/drawing/2010/main" val="0"/>
+              </a:ext>
+            </a:extLst>
+          </a:blip>
+          <a:stretch>
+            <a:fillRect/>
+          </a:stretch>
+        </p:blipFill>
+        <p:spPr>
+          <a:xfrm>
+            <a:off x="2006340" y="1825625"/>
+            <a:ext cx="8179319" cy="4351338"/>
+          </a:xfrm>
+        </p:spPr>
+      </p:pic>
+      <p:sp>
+        <p:nvSpPr>
+          <p:cNvPr id="3" name="Номер слайда 2">
+            <a:extLst>
+              <a:ext uri="{FF2B5EF4-FFF2-40B4-BE49-F238E27FC236}">
+                <a16:creationId xmlns:a16="http://schemas.microsoft.com/office/drawing/2014/main" id="{651FBD9B-AC86-40F5-A949-E273AC4D661F}"/>
               </a:ext>
             </a:extLst>
           </p:cNvPr>
@@ -5684,7 +5380,7 @@
     </p:spTree>
     <p:extLst>
       <p:ext uri="{BB962C8B-B14F-4D97-AF65-F5344CB8AC3E}">
-        <p14:creationId xmlns:p14="http://schemas.microsoft.com/office/powerpoint/2010/main" val="3175874247"/>
+        <p14:creationId xmlns:p14="http://schemas.microsoft.com/office/powerpoint/2010/main" val="509883585"/>
       </p:ext>
     </p:extLst>
   </p:cSld>
@@ -5716,7 +5412,7 @@
           <p:cNvPr id="2" name="Заголовок 1">
             <a:extLst>
               <a:ext uri="{FF2B5EF4-FFF2-40B4-BE49-F238E27FC236}">
-                <a16:creationId xmlns:a16="http://schemas.microsoft.com/office/drawing/2014/main" id="{734DAF5E-025E-4782-8D8E-C091898DF231}"/>
+                <a16:creationId xmlns:a16="http://schemas.microsoft.com/office/drawing/2014/main" id="{22E8955B-B82F-4B78-98BF-054D1C4DBDC5}"/>
               </a:ext>
             </a:extLst>
           </p:cNvPr>
@@ -5727,57 +5423,59 @@
             <p:ph type="title"/>
           </p:nvPr>
         </p:nvSpPr>
+        <p:spPr/>
+        <p:txBody>
+          <a:bodyPr/>
+          <a:lstStyle/>
+          <a:p>
+            <a:r>
+              <a:rPr lang="ru-RU" dirty="0"/>
+              <a:t>Приложения: тест</a:t>
+            </a:r>
+          </a:p>
+        </p:txBody>
+      </p:sp>
+      <p:pic>
+        <p:nvPicPr>
+          <p:cNvPr id="5" name="Объект 4">
+            <a:extLst>
+              <a:ext uri="{FF2B5EF4-FFF2-40B4-BE49-F238E27FC236}">
+                <a16:creationId xmlns:a16="http://schemas.microsoft.com/office/drawing/2014/main" id="{B75A7BE2-A7C0-4B30-9BD1-E99A5B603FEF}"/>
+              </a:ext>
+            </a:extLst>
+          </p:cNvPr>
+          <p:cNvPicPr>
+            <a:picLocks noGrp="1" noChangeAspect="1"/>
+          </p:cNvPicPr>
+          <p:nvPr>
+            <p:ph idx="1"/>
+          </p:nvPr>
+        </p:nvPicPr>
+        <p:blipFill>
+          <a:blip r:embed="rId2">
+            <a:extLst>
+              <a:ext uri="{28A0092B-C50C-407E-A947-70E740481C1C}">
+                <a14:useLocalDpi xmlns:a14="http://schemas.microsoft.com/office/drawing/2010/main" val="0"/>
+              </a:ext>
+            </a:extLst>
+          </a:blip>
+          <a:stretch>
+            <a:fillRect/>
+          </a:stretch>
+        </p:blipFill>
         <p:spPr>
           <a:xfrm>
-            <a:off x="838200" y="365125"/>
-            <a:ext cx="10515600" cy="1325563"/>
+            <a:off x="2286772" y="1825625"/>
+            <a:ext cx="7618455" cy="4351338"/>
           </a:xfrm>
         </p:spPr>
-        <p:txBody>
-          <a:bodyPr/>
-          <a:lstStyle/>
-          <a:p>
-            <a:r>
-              <a:rPr lang="ru-RU" dirty="0"/>
-              <a:t>Концепция: серверное ПО</a:t>
-            </a:r>
-          </a:p>
-        </p:txBody>
-      </p:sp>
-      <p:sp>
-        <p:nvSpPr>
-          <p:cNvPr id="3" name="Объект 2">
-            <a:extLst>
-              <a:ext uri="{FF2B5EF4-FFF2-40B4-BE49-F238E27FC236}">
-                <a16:creationId xmlns:a16="http://schemas.microsoft.com/office/drawing/2014/main" id="{5C43B1B6-DF18-45C0-A262-4CD504140195}"/>
-              </a:ext>
-            </a:extLst>
-          </p:cNvPr>
-          <p:cNvSpPr>
-            <a:spLocks noGrp="1"/>
-          </p:cNvSpPr>
-          <p:nvPr>
-            <p:ph idx="1"/>
-          </p:nvPr>
-        </p:nvSpPr>
-        <p:spPr/>
-        <p:txBody>
-          <a:bodyPr/>
-          <a:lstStyle/>
-          <a:p>
-            <a:r>
-              <a:rPr lang="ru-RU" dirty="0"/>
-              <a:t>Обеспечивает взаимодействие различных приложений</a:t>
-            </a:r>
-          </a:p>
-        </p:txBody>
-      </p:sp>
-      <p:sp>
-        <p:nvSpPr>
-          <p:cNvPr id="4" name="Номер слайда 3">
-            <a:extLst>
-              <a:ext uri="{FF2B5EF4-FFF2-40B4-BE49-F238E27FC236}">
-                <a16:creationId xmlns:a16="http://schemas.microsoft.com/office/drawing/2014/main" id="{FD05D151-E915-4FDE-A02D-C1003175DE5B}"/>
+      </p:pic>
+      <p:sp>
+        <p:nvSpPr>
+          <p:cNvPr id="3" name="Номер слайда 2">
+            <a:extLst>
+              <a:ext uri="{FF2B5EF4-FFF2-40B4-BE49-F238E27FC236}">
+                <a16:creationId xmlns:a16="http://schemas.microsoft.com/office/drawing/2014/main" id="{24AECF2B-BCBA-4187-A09F-5703E438F154}"/>
               </a:ext>
             </a:extLst>
           </p:cNvPr>
@@ -5804,7 +5502,7 @@
     </p:spTree>
     <p:extLst>
       <p:ext uri="{BB962C8B-B14F-4D97-AF65-F5344CB8AC3E}">
-        <p14:creationId xmlns:p14="http://schemas.microsoft.com/office/powerpoint/2010/main" val="329904905"/>
+        <p14:creationId xmlns:p14="http://schemas.microsoft.com/office/powerpoint/2010/main" val="2989166287"/>
       </p:ext>
     </p:extLst>
   </p:cSld>
